--- a/English/1.Importation techniques/7.Importing XML.pptx
+++ b/English/1.Importation techniques/7.Importing XML.pptx
@@ -18,7 +18,7 @@
   <p:notesSz cx="6858000" cy="9144000"/>
   <p:defaultTextStyle>
     <a:defPPr>
-      <a:defRPr lang="en-US"/>
+      <a:defRPr lang="en"/>
     </a:defPPr>
     <a:lvl1pPr marL="0" algn="l" defTabSz="914400" rtl="0" eaLnBrk="1" latinLnBrk="0" hangingPunct="1">
       <a:defRPr sz="1800" kern="1200">
@@ -201,7 +201,7 @@
           <a:p>
             <a:fld id="{056BA3B8-9F76-4D81-B71D-76CB85363062}" type="datetimeFigureOut">
               <a:rPr lang="en-US" smtClean="0"/>
-              <a:t>12/30/2024</a:t>
+              <a:t>2/25/2025</a:t>
             </a:fld>
             <a:endParaRPr lang="en-US"/>
           </a:p>
@@ -852,7 +852,7 @@
           <a:p>
             <a:fld id="{6F01DA4D-20EA-48D2-973C-0311EC3005D6}" type="datetimeFigureOut">
               <a:rPr lang="en-US" smtClean="0"/>
-              <a:t>12/30/2024</a:t>
+              <a:t>2/25/2025</a:t>
             </a:fld>
             <a:endParaRPr lang="en-US"/>
           </a:p>
@@ -1022,7 +1022,7 @@
           <a:p>
             <a:fld id="{6F01DA4D-20EA-48D2-973C-0311EC3005D6}" type="datetimeFigureOut">
               <a:rPr lang="en-US" smtClean="0"/>
-              <a:t>12/30/2024</a:t>
+              <a:t>2/25/2025</a:t>
             </a:fld>
             <a:endParaRPr lang="en-US"/>
           </a:p>
@@ -1202,7 +1202,7 @@
           <a:p>
             <a:fld id="{6F01DA4D-20EA-48D2-973C-0311EC3005D6}" type="datetimeFigureOut">
               <a:rPr lang="en-US" smtClean="0"/>
-              <a:t>12/30/2024</a:t>
+              <a:t>2/25/2025</a:t>
             </a:fld>
             <a:endParaRPr lang="en-US"/>
           </a:p>
@@ -1372,7 +1372,7 @@
           <a:p>
             <a:fld id="{6F01DA4D-20EA-48D2-973C-0311EC3005D6}" type="datetimeFigureOut">
               <a:rPr lang="en-US" smtClean="0"/>
-              <a:t>12/30/2024</a:t>
+              <a:t>2/25/2025</a:t>
             </a:fld>
             <a:endParaRPr lang="en-US"/>
           </a:p>
@@ -1618,7 +1618,7 @@
           <a:p>
             <a:fld id="{6F01DA4D-20EA-48D2-973C-0311EC3005D6}" type="datetimeFigureOut">
               <a:rPr lang="en-US" smtClean="0"/>
-              <a:t>12/30/2024</a:t>
+              <a:t>2/25/2025</a:t>
             </a:fld>
             <a:endParaRPr lang="en-US"/>
           </a:p>
@@ -1850,7 +1850,7 @@
           <a:p>
             <a:fld id="{6F01DA4D-20EA-48D2-973C-0311EC3005D6}" type="datetimeFigureOut">
               <a:rPr lang="en-US" smtClean="0"/>
-              <a:t>12/30/2024</a:t>
+              <a:t>2/25/2025</a:t>
             </a:fld>
             <a:endParaRPr lang="en-US"/>
           </a:p>
@@ -2217,7 +2217,7 @@
           <a:p>
             <a:fld id="{6F01DA4D-20EA-48D2-973C-0311EC3005D6}" type="datetimeFigureOut">
               <a:rPr lang="en-US" smtClean="0"/>
-              <a:t>12/30/2024</a:t>
+              <a:t>2/25/2025</a:t>
             </a:fld>
             <a:endParaRPr lang="en-US"/>
           </a:p>
@@ -2335,7 +2335,7 @@
           <a:p>
             <a:fld id="{6F01DA4D-20EA-48D2-973C-0311EC3005D6}" type="datetimeFigureOut">
               <a:rPr lang="en-US" smtClean="0"/>
-              <a:t>12/30/2024</a:t>
+              <a:t>2/25/2025</a:t>
             </a:fld>
             <a:endParaRPr lang="en-US"/>
           </a:p>
@@ -2430,7 +2430,7 @@
           <a:p>
             <a:fld id="{6F01DA4D-20EA-48D2-973C-0311EC3005D6}" type="datetimeFigureOut">
               <a:rPr lang="en-US" smtClean="0"/>
-              <a:t>12/30/2024</a:t>
+              <a:t>2/25/2025</a:t>
             </a:fld>
             <a:endParaRPr lang="en-US"/>
           </a:p>
@@ -2707,7 +2707,7 @@
           <a:p>
             <a:fld id="{6F01DA4D-20EA-48D2-973C-0311EC3005D6}" type="datetimeFigureOut">
               <a:rPr lang="en-US" smtClean="0"/>
-              <a:t>12/30/2024</a:t>
+              <a:t>2/25/2025</a:t>
             </a:fld>
             <a:endParaRPr lang="en-US"/>
           </a:p>
@@ -2960,7 +2960,7 @@
           <a:p>
             <a:fld id="{6F01DA4D-20EA-48D2-973C-0311EC3005D6}" type="datetimeFigureOut">
               <a:rPr lang="en-US" smtClean="0"/>
-              <a:t>12/30/2024</a:t>
+              <a:t>2/25/2025</a:t>
             </a:fld>
             <a:endParaRPr lang="en-US"/>
           </a:p>
@@ -3173,7 +3173,7 @@
           <a:p>
             <a:fld id="{6F01DA4D-20EA-48D2-973C-0311EC3005D6}" type="datetimeFigureOut">
               <a:rPr lang="en-US" smtClean="0"/>
-              <a:t>12/30/2024</a:t>
+              <a:t>2/25/2025</a:t>
             </a:fld>
             <a:endParaRPr lang="en-US"/>
           </a:p>
@@ -3608,9 +3608,9 @@
           </a:bodyPr>
           <a:lstStyle/>
           <a:p>
-            <a:pPr algn="ctr"/>
-            <a:r>
-              <a:rPr lang="en-US" sz="8000" b="1" dirty="0" smtClean="0">
+            <a:pPr xmlns:a="http://schemas.openxmlformats.org/drawingml/2006/main" algn="ctr"/>
+            <a:r xmlns:a="http://schemas.openxmlformats.org/drawingml/2006/main">
+              <a:rPr lang="en" sz="8000" b="1" dirty="0" smtClean="0">
                 <a:solidFill>
                   <a:srgbClr val="7030A0"/>
                 </a:solidFill>
@@ -3620,8 +3620,8 @@
               </a:rPr>
               <a:t>Import </a:t>
             </a:r>
-            <a:r>
-              <a:rPr lang="fr-FR" sz="8000" b="1" dirty="0" smtClean="0">
+            <a:r xmlns:a="http://schemas.openxmlformats.org/drawingml/2006/main">
+              <a:rPr lang="en" sz="8000" b="1" dirty="0" smtClean="0">
                 <a:solidFill>
                   <a:srgbClr val="7030A0"/>
                 </a:solidFill>
@@ -3631,7 +3631,7 @@
               </a:rPr>
               <a:t>XML</a:t>
             </a:r>
-            <a:endParaRPr lang="en-US" sz="8000" b="1" dirty="0">
+            <a:endParaRPr xmlns:a="http://schemas.openxmlformats.org/drawingml/2006/main" lang="en-US" sz="8000" b="1" dirty="0">
               <a:solidFill>
                 <a:srgbClr val="7030A0"/>
               </a:solidFill>
@@ -3650,7 +3650,7 @@
         </p:nvSpPr>
         <p:spPr>
           <a:xfrm>
-            <a:off x="1497402" y="2342841"/>
+            <a:off x="1548202" y="2354130"/>
             <a:ext cx="9199606" cy="1323439"/>
           </a:xfrm>
           <a:prstGeom prst="rect">
@@ -3664,9 +3664,9 @@
           </a:bodyPr>
           <a:lstStyle/>
           <a:p>
-            <a:pPr algn="ctr"/>
-            <a:r>
-              <a:rPr lang="en-US" sz="8000" b="1" dirty="0" smtClean="0">
+            <a:pPr xmlns:a="http://schemas.openxmlformats.org/drawingml/2006/main" algn="ctr"/>
+            <a:r xmlns:a="http://schemas.openxmlformats.org/drawingml/2006/main">
+              <a:rPr lang="en" sz="8000" b="1" dirty="0" smtClean="0">
                 <a:solidFill>
                   <a:schemeClr val="bg1"/>
                 </a:solidFill>
@@ -3674,20 +3674,9 @@
                 <a:ea typeface="Verdana" panose="020B0604030504040204" pitchFamily="34" charset="0"/>
                 <a:cs typeface="Segoe UI" panose="020B0502040204020203" pitchFamily="34" charset="0"/>
               </a:rPr>
-              <a:t>Import </a:t>
-            </a:r>
-            <a:r>
-              <a:rPr lang="en-US" sz="8000" b="1" dirty="0" smtClean="0">
-                <a:solidFill>
-                  <a:schemeClr val="bg1"/>
-                </a:solidFill>
-                <a:latin typeface="Segoe UI" panose="020B0502040204020203" pitchFamily="34" charset="0"/>
-                <a:ea typeface="Verdana" panose="020B0604030504040204" pitchFamily="34" charset="0"/>
-                <a:cs typeface="Segoe UI" panose="020B0502040204020203" pitchFamily="34" charset="0"/>
-              </a:rPr>
-              <a:t>XML</a:t>
-            </a:r>
-            <a:endParaRPr lang="en-US" sz="8000" b="1" dirty="0">
+              <a:t>Import XML</a:t>
+            </a:r>
+            <a:endParaRPr xmlns:a="http://schemas.openxmlformats.org/drawingml/2006/main" lang="en-US" sz="8000" b="1" dirty="0">
               <a:solidFill>
                 <a:schemeClr val="bg1"/>
               </a:solidFill>
@@ -3744,7 +3733,7 @@
         <p:spPr>
           <a:xfrm>
             <a:off x="449178" y="216445"/>
-            <a:ext cx="1837362" cy="366895"/>
+            <a:ext cx="1705916" cy="366895"/>
           </a:xfrm>
           <a:prstGeom prst="rect">
             <a:avLst/>
@@ -3756,7 +3745,7 @@
           </a:bodyPr>
           <a:lstStyle/>
           <a:p>
-            <a:pPr>
+            <a:pPr xmlns:a="http://schemas.openxmlformats.org/drawingml/2006/main">
               <a:lnSpc>
                 <a:spcPct val="107000"/>
               </a:lnSpc>
@@ -3767,224 +3756,17 @@
                 <a:spcPts val="0"/>
               </a:spcAft>
             </a:pPr>
-            <a:r>
-              <a:rPr lang="en-US" b="1" kern="0" dirty="0" smtClean="0">
+            <a:r xmlns:a="http://schemas.openxmlformats.org/drawingml/2006/main">
+              <a:rPr lang="en" b="1" kern="0" dirty="0" smtClean="0">
                 <a:latin typeface="Segoe UI" panose="020B0502040204020203" pitchFamily="34" charset="0"/>
                 <a:ea typeface="Times New Roman" panose="02020603050405020304" pitchFamily="18" charset="0"/>
                 <a:cs typeface="Times New Roman" panose="02020603050405020304" pitchFamily="18" charset="0"/>
               </a:rPr>
-              <a:t>Importing </a:t>
-            </a:r>
-            <a:r>
-              <a:rPr lang="en-US" b="1" kern="0" dirty="0" smtClean="0">
-                <a:latin typeface="Segoe UI" panose="020B0502040204020203" pitchFamily="34" charset="0"/>
-                <a:ea typeface="Times New Roman" panose="02020603050405020304" pitchFamily="18" charset="0"/>
-                <a:cs typeface="Times New Roman" panose="02020603050405020304" pitchFamily="18" charset="0"/>
-              </a:rPr>
-              <a:t>XML</a:t>
-            </a:r>
-            <a:endParaRPr lang="en-US" b="1" kern="0" dirty="0">
+              <a:t>Import XML</a:t>
+            </a:r>
+            <a:endParaRPr xmlns:a="http://schemas.openxmlformats.org/drawingml/2006/main" lang="en-US" b="1" kern="0" dirty="0">
               <a:latin typeface="Segoe UI" panose="020B0502040204020203" pitchFamily="34" charset="0"/>
               <a:ea typeface="Times New Roman" panose="02020603050405020304" pitchFamily="18" charset="0"/>
-              <a:cs typeface="Times New Roman" panose="02020603050405020304" pitchFamily="18" charset="0"/>
-            </a:endParaRPr>
-          </a:p>
-        </p:txBody>
-      </p:sp>
-      <p:sp>
-        <p:nvSpPr>
-          <p:cNvPr id="2" name="Rectangle 1"/>
-          <p:cNvSpPr/>
-          <p:nvPr/>
-        </p:nvSpPr>
-        <p:spPr>
-          <a:xfrm>
-            <a:off x="449177" y="755316"/>
-            <a:ext cx="10489755" cy="388696"/>
-          </a:xfrm>
-          <a:prstGeom prst="rect">
-            <a:avLst/>
-          </a:prstGeom>
-        </p:spPr>
-        <p:txBody>
-          <a:bodyPr wrap="square">
-            <a:spAutoFit/>
-          </a:bodyPr>
-          <a:lstStyle/>
-          <a:p>
-            <a:pPr>
-              <a:lnSpc>
-                <a:spcPct val="107000"/>
-              </a:lnSpc>
-              <a:spcBef>
-                <a:spcPts val="1200"/>
-              </a:spcBef>
-              <a:spcAft>
-                <a:spcPts val="0"/>
-              </a:spcAft>
-            </a:pPr>
-            <a:r>
-              <a:rPr lang="fr-FR" b="1" kern="0" dirty="0">
-                <a:latin typeface="Segoe UI" panose="020B0502040204020203" pitchFamily="34" charset="0"/>
-                <a:ea typeface="Times New Roman" panose="02020603050405020304" pitchFamily="18" charset="0"/>
-                <a:cs typeface="Times New Roman" panose="02020603050405020304" pitchFamily="18" charset="0"/>
-              </a:rPr>
-              <a:t>Note: </a:t>
-            </a:r>
-            <a:r>
-              <a:rPr lang="fr-FR" kern="0" dirty="0">
-                <a:latin typeface="Segoe UI" panose="020B0502040204020203" pitchFamily="34" charset="0"/>
-                <a:ea typeface="Times New Roman" panose="02020603050405020304" pitchFamily="18" charset="0"/>
-                <a:cs typeface="Times New Roman" panose="02020603050405020304" pitchFamily="18" charset="0"/>
-              </a:rPr>
-              <a:t>This </a:t>
-            </a:r>
-            <a:r>
-              <a:rPr lang="fr-FR" kern="0" dirty="0" err="1">
-                <a:latin typeface="Segoe UI" panose="020B0502040204020203" pitchFamily="34" charset="0"/>
-                <a:ea typeface="Times New Roman" panose="02020603050405020304" pitchFamily="18" charset="0"/>
-                <a:cs typeface="Times New Roman" panose="02020603050405020304" pitchFamily="18" charset="0"/>
-              </a:rPr>
-              <a:t>Lab</a:t>
-            </a:r>
-            <a:r>
-              <a:rPr lang="fr-FR" kern="0" dirty="0">
-                <a:latin typeface="Segoe UI" panose="020B0502040204020203" pitchFamily="34" charset="0"/>
-                <a:ea typeface="Times New Roman" panose="02020603050405020304" pitchFamily="18" charset="0"/>
-                <a:cs typeface="Times New Roman" panose="02020603050405020304" pitchFamily="18" charset="0"/>
-              </a:rPr>
-              <a:t> uses the </a:t>
-            </a:r>
-            <a:r>
-              <a:rPr lang="fr-FR" b="1" kern="0" dirty="0">
-                <a:latin typeface="Segoe UI" panose="020B0502040204020203" pitchFamily="34" charset="0"/>
-                <a:ea typeface="Times New Roman" panose="02020603050405020304" pitchFamily="18" charset="0"/>
-                <a:cs typeface="Times New Roman" panose="02020603050405020304" pitchFamily="18" charset="0"/>
-              </a:rPr>
-              <a:t>CustomerOrder.xml file </a:t>
-            </a:r>
-            <a:r>
-              <a:rPr lang="fr-FR" kern="0" dirty="0" err="1">
-                <a:latin typeface="Segoe UI" panose="020B0502040204020203" pitchFamily="34" charset="0"/>
-                <a:ea typeface="Times New Roman" panose="02020603050405020304" pitchFamily="18" charset="0"/>
-                <a:cs typeface="Times New Roman" panose="02020603050405020304" pitchFamily="18" charset="0"/>
-              </a:rPr>
-              <a:t>located</a:t>
-            </a:r>
-            <a:r>
-              <a:rPr lang="fr-FR" kern="0" dirty="0">
-                <a:latin typeface="Segoe UI" panose="020B0502040204020203" pitchFamily="34" charset="0"/>
-                <a:ea typeface="Times New Roman" panose="02020603050405020304" pitchFamily="18" charset="0"/>
-                <a:cs typeface="Times New Roman" panose="02020603050405020304" pitchFamily="18" charset="0"/>
-              </a:rPr>
-              <a:t> in the </a:t>
-            </a:r>
-            <a:r>
-              <a:rPr lang="fr-FR" b="1" kern="0" dirty="0" err="1">
-                <a:latin typeface="Segoe UI" panose="020B0502040204020203" pitchFamily="34" charset="0"/>
-                <a:ea typeface="Times New Roman" panose="02020603050405020304" pitchFamily="18" charset="0"/>
-                <a:cs typeface="Times New Roman" panose="02020603050405020304" pitchFamily="18" charset="0"/>
-              </a:rPr>
-              <a:t>resources</a:t>
-            </a:r>
-            <a:r>
-              <a:rPr lang="fr-FR" b="1" kern="0" dirty="0">
-                <a:latin typeface="Segoe UI" panose="020B0502040204020203" pitchFamily="34" charset="0"/>
-                <a:ea typeface="Times New Roman" panose="02020603050405020304" pitchFamily="18" charset="0"/>
-                <a:cs typeface="Times New Roman" panose="02020603050405020304" pitchFamily="18" charset="0"/>
-              </a:rPr>
-              <a:t> </a:t>
-            </a:r>
-            <a:r>
-              <a:rPr lang="fr-FR" kern="0" dirty="0">
-                <a:latin typeface="Segoe UI" panose="020B0502040204020203" pitchFamily="34" charset="0"/>
-                <a:ea typeface="Times New Roman" panose="02020603050405020304" pitchFamily="18" charset="0"/>
-                <a:cs typeface="Times New Roman" panose="02020603050405020304" pitchFamily="18" charset="0"/>
-              </a:rPr>
-              <a:t>/ </a:t>
-            </a:r>
-            <a:r>
-              <a:rPr lang="fr-FR" b="1" kern="0" dirty="0" err="1">
-                <a:latin typeface="Segoe UI" panose="020B0502040204020203" pitchFamily="34" charset="0"/>
-                <a:ea typeface="Times New Roman" panose="02020603050405020304" pitchFamily="18" charset="0"/>
-                <a:cs typeface="Times New Roman" panose="02020603050405020304" pitchFamily="18" charset="0"/>
-              </a:rPr>
-              <a:t>XmlSources</a:t>
-            </a:r>
-            <a:r>
-              <a:rPr lang="fr-FR" b="1" kern="0" dirty="0">
-                <a:latin typeface="Segoe UI" panose="020B0502040204020203" pitchFamily="34" charset="0"/>
-                <a:ea typeface="Times New Roman" panose="02020603050405020304" pitchFamily="18" charset="0"/>
-                <a:cs typeface="Times New Roman" panose="02020603050405020304" pitchFamily="18" charset="0"/>
-              </a:rPr>
-              <a:t> </a:t>
-            </a:r>
-            <a:r>
-              <a:rPr lang="fr-FR" b="1" kern="0" dirty="0" err="1">
-                <a:latin typeface="Segoe UI" panose="020B0502040204020203" pitchFamily="34" charset="0"/>
-                <a:ea typeface="Times New Roman" panose="02020603050405020304" pitchFamily="18" charset="0"/>
-                <a:cs typeface="Times New Roman" panose="02020603050405020304" pitchFamily="18" charset="0"/>
-              </a:rPr>
-              <a:t>folder</a:t>
-            </a:r>
-            <a:r>
-              <a:rPr lang="fr-FR" b="1" kern="0" dirty="0">
-                <a:latin typeface="Segoe UI" panose="020B0502040204020203" pitchFamily="34" charset="0"/>
-                <a:ea typeface="Times New Roman" panose="02020603050405020304" pitchFamily="18" charset="0"/>
-                <a:cs typeface="Times New Roman" panose="02020603050405020304" pitchFamily="18" charset="0"/>
-              </a:rPr>
-              <a:t> </a:t>
-            </a:r>
-            <a:endParaRPr lang="en-US" sz="2800" b="1" kern="0" dirty="0">
-              <a:effectLst/>
-              <a:latin typeface="Segoe UI" panose="020B0502040204020203" pitchFamily="34" charset="0"/>
-              <a:ea typeface="Times New Roman" panose="02020603050405020304" pitchFamily="18" charset="0"/>
-              <a:cs typeface="Times New Roman" panose="02020603050405020304" pitchFamily="18" charset="0"/>
-            </a:endParaRPr>
-          </a:p>
-        </p:txBody>
-      </p:sp>
-      <p:sp>
-        <p:nvSpPr>
-          <p:cNvPr id="4" name="Rectangle 3"/>
-          <p:cNvSpPr/>
-          <p:nvPr/>
-        </p:nvSpPr>
-        <p:spPr>
-          <a:xfrm>
-            <a:off x="449177" y="1144012"/>
-            <a:ext cx="2823402" cy="373692"/>
-          </a:xfrm>
-          <a:prstGeom prst="rect">
-            <a:avLst/>
-          </a:prstGeom>
-        </p:spPr>
-        <p:txBody>
-          <a:bodyPr wrap="none">
-            <a:spAutoFit/>
-          </a:bodyPr>
-          <a:lstStyle/>
-          <a:p>
-            <a:pPr lvl="0">
-              <a:lnSpc>
-                <a:spcPct val="107000"/>
-              </a:lnSpc>
-              <a:spcAft>
-                <a:spcPts val="800"/>
-              </a:spcAft>
-            </a:pPr>
-            <a:r>
-              <a:rPr lang="fr-FR" dirty="0">
-                <a:latin typeface="Segoe UI" panose="020B0502040204020203" pitchFamily="34" charset="0"/>
-                <a:ea typeface="Calibri" panose="020F0502020204030204" pitchFamily="34" charset="0"/>
-                <a:cs typeface="Times New Roman" panose="02020603050405020304" pitchFamily="18" charset="0"/>
-              </a:rPr>
-              <a:t>Select XML as data source</a:t>
-            </a:r>
-            <a:endParaRPr lang="en-US" sz="1400" dirty="0">
-              <a:effectLst/>
-              <a:latin typeface="Calibri" panose="020F0502020204030204" pitchFamily="34" charset="0"/>
-              <a:ea typeface="Calibri" panose="020F0502020204030204" pitchFamily="34" charset="0"/>
               <a:cs typeface="Times New Roman" panose="02020603050405020304" pitchFamily="18" charset="0"/>
             </a:endParaRPr>
           </a:p>
@@ -4107,12 +3889,12 @@
           <a:bodyPr rtlCol="0" anchor="ctr"/>
           <a:lstStyle/>
           <a:p>
-            <a:pPr algn="ctr"/>
-            <a:r>
-              <a:rPr lang="fr-FR" b="1" dirty="0" smtClean="0"/>
+            <a:pPr xmlns:a="http://schemas.openxmlformats.org/drawingml/2006/main" algn="ctr"/>
+            <a:r xmlns:a="http://schemas.openxmlformats.org/drawingml/2006/main">
+              <a:rPr lang="en" b="1" dirty="0" smtClean="0"/>
               <a:t>1</a:t>
             </a:r>
-            <a:endParaRPr lang="en-US" b="1" dirty="0"/>
+            <a:endParaRPr xmlns:a="http://schemas.openxmlformats.org/drawingml/2006/main" lang="en-US" b="1" dirty="0"/>
           </a:p>
         </p:txBody>
       </p:sp>
@@ -4157,12 +3939,272 @@
           <a:bodyPr rtlCol="0" anchor="ctr"/>
           <a:lstStyle/>
           <a:p>
-            <a:pPr algn="ctr"/>
-            <a:r>
-              <a:rPr lang="fr-FR" b="1" dirty="0" smtClean="0"/>
+            <a:pPr xmlns:a="http://schemas.openxmlformats.org/drawingml/2006/main" algn="ctr"/>
+            <a:r xmlns:a="http://schemas.openxmlformats.org/drawingml/2006/main">
+              <a:rPr lang="en" b="1" dirty="0" smtClean="0"/>
               <a:t>2</a:t>
             </a:r>
-            <a:endParaRPr lang="en-US" b="1" dirty="0"/>
+            <a:endParaRPr xmlns:a="http://schemas.openxmlformats.org/drawingml/2006/main" lang="en-US" b="1" dirty="0"/>
+          </a:p>
+        </p:txBody>
+      </p:sp>
+      <p:sp>
+        <p:nvSpPr>
+          <p:cNvPr id="5" name="Rectangle 1"/>
+          <p:cNvSpPr>
+            <a:spLocks noChangeArrowheads="1"/>
+          </p:cNvSpPr>
+          <p:nvPr/>
+        </p:nvSpPr>
+        <p:spPr bwMode="auto">
+          <a:xfrm>
+            <a:off x="378178" y="686812"/>
+            <a:ext cx="12192000" cy="457200"/>
+          </a:xfrm>
+          <a:prstGeom prst="rect">
+            <a:avLst/>
+          </a:prstGeom>
+          <a:noFill/>
+          <a:ln>
+            <a:noFill/>
+          </a:ln>
+          <a:effectLst/>
+          <a:extLst>
+            <a:ext uri="{909E8E84-426E-40DD-AFC4-6F175D3DCCD1}">
+              <a14:hiddenFill xmlns:a14="http://schemas.microsoft.com/office/drawing/2010/main">
+                <a:solidFill>
+                  <a:schemeClr val="accent1"/>
+                </a:solidFill>
+              </a14:hiddenFill>
+            </a:ext>
+            <a:ext uri="{91240B29-F687-4F45-9708-019B960494DF}">
+              <a14:hiddenLine xmlns:a14="http://schemas.microsoft.com/office/drawing/2010/main" w="9525">
+                <a:solidFill>
+                  <a:schemeClr val="tx1"/>
+                </a:solidFill>
+                <a:miter lim="800000"/>
+                <a:headEnd/>
+                <a:tailEnd/>
+              </a14:hiddenLine>
+            </a:ext>
+            <a:ext uri="{AF507438-7753-43E0-B8FC-AC1667EBCBE1}">
+              <a14:hiddenEffects xmlns:a14="http://schemas.microsoft.com/office/drawing/2010/main">
+                <a:effectLst>
+                  <a:outerShdw dist="35921" dir="2700000" algn="ctr" rotWithShape="0">
+                    <a:schemeClr val="bg2"/>
+                  </a:outerShdw>
+                </a:effectLst>
+              </a14:hiddenEffects>
+            </a:ext>
+          </a:extLst>
+        </p:spPr>
+        <p:txBody>
+          <a:bodyPr vert="horz" wrap="none" lIns="91440" tIns="45720" rIns="91440" bIns="45720" numCol="1" anchor="ctr" anchorCtr="0" compatLnSpc="1">
+            <a:prstTxWarp prst="textNoShape">
+              <a:avLst/>
+            </a:prstTxWarp>
+            <a:spAutoFit/>
+          </a:bodyPr>
+          <a:lstStyle/>
+          <a:p>
+            <a:pPr xmlns:a="http://schemas.openxmlformats.org/drawingml/2006/main" marL="0" marR="0" lvl="0" indent="0" algn="l" defTabSz="914400" rtl="0" eaLnBrk="0" fontAlgn="base" latinLnBrk="0" hangingPunct="0">
+              <a:lnSpc>
+                <a:spcPct val="100000"/>
+              </a:lnSpc>
+              <a:spcBef>
+                <a:spcPct val="0"/>
+              </a:spcBef>
+              <a:spcAft>
+                <a:spcPct val="0"/>
+              </a:spcAft>
+              <a:buClrTx/>
+              <a:buSzTx/>
+              <a:buFontTx/>
+              <a:buNone/>
+              <a:tabLst/>
+            </a:pPr>
+            <a:r xmlns:a="http://schemas.openxmlformats.org/drawingml/2006/main">
+              <a:rPr kumimoji="0" lang="en" altLang="en-US" sz="1800" b="0" i="0" u="none" strike="noStrike" cap="none" normalizeH="0" baseline="0" smtClean="0">
+                <a:ln>
+                  <a:noFill/>
+                </a:ln>
+                <a:solidFill>
+                  <a:schemeClr val="tx1"/>
+                </a:solidFill>
+                <a:effectLst/>
+                <a:latin typeface="Arial" panose="020B0604020202020204" pitchFamily="34" charset="0"/>
+              </a:rPr>
+              <a:t>Note: This lab uses the </a:t>
+            </a:r>
+            <a:r xmlns:a="http://schemas.openxmlformats.org/drawingml/2006/main">
+              <a:rPr kumimoji="0" lang="en" altLang="en-US" sz="1800" b="1" i="0" u="none" strike="noStrike" cap="none" normalizeH="0" baseline="0" smtClean="0">
+                <a:ln>
+                  <a:noFill/>
+                </a:ln>
+                <a:solidFill>
+                  <a:schemeClr val="tx1"/>
+                </a:solidFill>
+                <a:effectLst/>
+                <a:latin typeface="Arial" panose="020B0604020202020204" pitchFamily="34" charset="0"/>
+              </a:rPr>
+              <a:t>CustomerOrder.xml file </a:t>
+            </a:r>
+            <a:r xmlns:a="http://schemas.openxmlformats.org/drawingml/2006/main">
+              <a:rPr kumimoji="0" lang="en" altLang="en-US" sz="1800" b="0" i="0" u="none" strike="noStrike" cap="none" normalizeH="0" baseline="0" smtClean="0">
+                <a:ln>
+                  <a:noFill/>
+                </a:ln>
+                <a:solidFill>
+                  <a:schemeClr val="tx1"/>
+                </a:solidFill>
+                <a:effectLst/>
+                <a:latin typeface="Arial" panose="020B0604020202020204" pitchFamily="34" charset="0"/>
+              </a:rPr>
+              <a:t>located in the </a:t>
+            </a:r>
+            <a:r xmlns:a="http://schemas.openxmlformats.org/drawingml/2006/main">
+              <a:rPr kumimoji="0" lang="en" altLang="en-US" sz="1800" b="1" i="0" u="none" strike="noStrike" cap="none" normalizeH="0" baseline="0" smtClean="0">
+                <a:ln>
+                  <a:noFill/>
+                </a:ln>
+                <a:solidFill>
+                  <a:schemeClr val="tx1"/>
+                </a:solidFill>
+                <a:effectLst/>
+                <a:latin typeface="Arial" panose="020B0604020202020204" pitchFamily="34" charset="0"/>
+              </a:rPr>
+              <a:t>resources/XmlSources folder </a:t>
+            </a:r>
+            <a:r xmlns:a="http://schemas.openxmlformats.org/drawingml/2006/main">
+              <a:rPr kumimoji="0" lang="en" altLang="en-US" sz="1800" b="0" i="0" u="none" strike="noStrike" cap="none" normalizeH="0" baseline="0" smtClean="0">
+                <a:ln>
+                  <a:noFill/>
+                </a:ln>
+                <a:solidFill>
+                  <a:schemeClr val="tx1"/>
+                </a:solidFill>
+                <a:effectLst/>
+                <a:latin typeface="Arial" panose="020B0604020202020204" pitchFamily="34" charset="0"/>
+              </a:rPr>
+              <a:t>.</a:t>
+            </a:r>
+          </a:p>
+        </p:txBody>
+      </p:sp>
+      <p:sp>
+        <p:nvSpPr>
+          <p:cNvPr id="6" name="Rectangle 2"/>
+          <p:cNvSpPr>
+            <a:spLocks noChangeArrowheads="1"/>
+          </p:cNvSpPr>
+          <p:nvPr/>
+        </p:nvSpPr>
+        <p:spPr bwMode="auto">
+          <a:xfrm>
+            <a:off x="378178" y="1062818"/>
+            <a:ext cx="10515600" cy="369332"/>
+          </a:xfrm>
+          <a:prstGeom prst="rect">
+            <a:avLst/>
+          </a:prstGeom>
+          <a:noFill/>
+          <a:ln>
+            <a:noFill/>
+          </a:ln>
+          <a:effectLst/>
+          <a:extLst>
+            <a:ext uri="{909E8E84-426E-40DD-AFC4-6F175D3DCCD1}">
+              <a14:hiddenFill xmlns:a14="http://schemas.microsoft.com/office/drawing/2010/main">
+                <a:solidFill>
+                  <a:schemeClr val="accent1"/>
+                </a:solidFill>
+              </a14:hiddenFill>
+            </a:ext>
+            <a:ext uri="{91240B29-F687-4F45-9708-019B960494DF}">
+              <a14:hiddenLine xmlns:a14="http://schemas.microsoft.com/office/drawing/2010/main" w="9525">
+                <a:solidFill>
+                  <a:schemeClr val="tx1"/>
+                </a:solidFill>
+                <a:miter lim="800000"/>
+                <a:headEnd/>
+                <a:tailEnd/>
+              </a14:hiddenLine>
+            </a:ext>
+            <a:ext uri="{AF507438-7753-43E0-B8FC-AC1667EBCBE1}">
+              <a14:hiddenEffects xmlns:a14="http://schemas.microsoft.com/office/drawing/2010/main">
+                <a:effectLst>
+                  <a:outerShdw dist="35921" dir="2700000" algn="ctr" rotWithShape="0">
+                    <a:schemeClr val="bg2"/>
+                  </a:outerShdw>
+                </a:effectLst>
+              </a14:hiddenEffects>
+            </a:ext>
+          </a:extLst>
+        </p:spPr>
+        <p:txBody>
+          <a:bodyPr vert="horz" wrap="square" lIns="91440" tIns="45720" rIns="91440" bIns="45720" numCol="1" anchor="ctr" anchorCtr="0" compatLnSpc="1">
+            <a:prstTxWarp prst="textNoShape">
+              <a:avLst/>
+            </a:prstTxWarp>
+            <a:spAutoFit/>
+          </a:bodyPr>
+          <a:lstStyle/>
+          <a:p>
+            <a:pPr xmlns:a="http://schemas.openxmlformats.org/drawingml/2006/main" marL="0" marR="0" lvl="0" indent="0" algn="l" defTabSz="914400" rtl="0" eaLnBrk="0" fontAlgn="base" latinLnBrk="0" hangingPunct="0">
+              <a:lnSpc>
+                <a:spcPct val="100000"/>
+              </a:lnSpc>
+              <a:spcBef>
+                <a:spcPct val="0"/>
+              </a:spcBef>
+              <a:spcAft>
+                <a:spcPct val="0"/>
+              </a:spcAft>
+              <a:buClrTx/>
+              <a:buSzTx/>
+              <a:buFontTx/>
+              <a:buNone/>
+              <a:tabLst/>
+            </a:pPr>
+            <a:r xmlns:a="http://schemas.openxmlformats.org/drawingml/2006/main">
+              <a:rPr kumimoji="0" lang="en" altLang="en-US" sz="1800" b="0" i="0" u="none" strike="noStrike" cap="none" normalizeH="0" baseline="0" smtClean="0">
+                <a:ln>
+                  <a:noFill/>
+                </a:ln>
+                <a:solidFill>
+                  <a:schemeClr val="tx1"/>
+                </a:solidFill>
+                <a:effectLst/>
+                <a:latin typeface="Arial" panose="020B0604020202020204" pitchFamily="34" charset="0"/>
+              </a:rPr>
+              <a:t>Select </a:t>
+            </a:r>
+            <a:r xmlns:a="http://schemas.openxmlformats.org/drawingml/2006/main">
+              <a:rPr kumimoji="0" lang="en" altLang="en-US" sz="1800" b="1" i="0" u="none" strike="noStrike" cap="none" normalizeH="0" baseline="0" smtClean="0">
+                <a:ln>
+                  <a:noFill/>
+                </a:ln>
+                <a:solidFill>
+                  <a:schemeClr val="tx1"/>
+                </a:solidFill>
+                <a:effectLst/>
+                <a:latin typeface="Arial" panose="020B0604020202020204" pitchFamily="34" charset="0"/>
+              </a:rPr>
+              <a:t>XML </a:t>
+            </a:r>
+            <a:r xmlns:a="http://schemas.openxmlformats.org/drawingml/2006/main">
+              <a:rPr kumimoji="0" lang="en" altLang="en-US" sz="1800" b="0" i="0" u="none" strike="noStrike" cap="none" normalizeH="0" baseline="0" smtClean="0">
+                <a:ln>
+                  <a:noFill/>
+                </a:ln>
+                <a:solidFill>
+                  <a:schemeClr val="tx1"/>
+                </a:solidFill>
+                <a:effectLst/>
+                <a:latin typeface="Arial" panose="020B0604020202020204" pitchFamily="34" charset="0"/>
+              </a:rPr>
+              <a:t>as the data source.</a:t>
+            </a:r>
           </a:p>
         </p:txBody>
       </p:sp>
@@ -4212,7 +4254,7 @@
         <p:spPr>
           <a:xfrm>
             <a:off x="449178" y="216445"/>
-            <a:ext cx="1837362" cy="366895"/>
+            <a:ext cx="1705916" cy="366895"/>
           </a:xfrm>
           <a:prstGeom prst="rect">
             <a:avLst/>
@@ -4224,7 +4266,7 @@
           </a:bodyPr>
           <a:lstStyle/>
           <a:p>
-            <a:pPr>
+            <a:pPr xmlns:a="http://schemas.openxmlformats.org/drawingml/2006/main">
               <a:lnSpc>
                 <a:spcPct val="107000"/>
               </a:lnSpc>
@@ -4235,23 +4277,15 @@
                 <a:spcPts val="0"/>
               </a:spcAft>
             </a:pPr>
-            <a:r>
-              <a:rPr lang="en-US" b="1" kern="0" dirty="0" smtClean="0">
+            <a:r xmlns:a="http://schemas.openxmlformats.org/drawingml/2006/main">
+              <a:rPr lang="en" b="1" kern="0" dirty="0" smtClean="0">
                 <a:latin typeface="Segoe UI" panose="020B0502040204020203" pitchFamily="34" charset="0"/>
                 <a:ea typeface="Times New Roman" panose="02020603050405020304" pitchFamily="18" charset="0"/>
                 <a:cs typeface="Times New Roman" panose="02020603050405020304" pitchFamily="18" charset="0"/>
               </a:rPr>
-              <a:t>Importing </a:t>
-            </a:r>
-            <a:r>
-              <a:rPr lang="en-US" b="1" kern="0" dirty="0" smtClean="0">
-                <a:latin typeface="Segoe UI" panose="020B0502040204020203" pitchFamily="34" charset="0"/>
-                <a:ea typeface="Times New Roman" panose="02020603050405020304" pitchFamily="18" charset="0"/>
-                <a:cs typeface="Times New Roman" panose="02020603050405020304" pitchFamily="18" charset="0"/>
-              </a:rPr>
-              <a:t>XML</a:t>
-            </a:r>
-            <a:endParaRPr lang="en-US" b="1" kern="0" dirty="0">
+              <a:t>Import XML</a:t>
+            </a:r>
+            <a:endParaRPr xmlns:a="http://schemas.openxmlformats.org/drawingml/2006/main" lang="en-US" b="1" kern="0" dirty="0">
               <a:latin typeface="Segoe UI" panose="020B0502040204020203" pitchFamily="34" charset="0"/>
               <a:ea typeface="Times New Roman" panose="02020603050405020304" pitchFamily="18" charset="0"/>
               <a:cs typeface="Times New Roman" panose="02020603050405020304" pitchFamily="18" charset="0"/>
@@ -4268,7 +4302,7 @@
         <p:spPr>
           <a:xfrm>
             <a:off x="449178" y="751097"/>
-            <a:ext cx="4343112" cy="373692"/>
+            <a:ext cx="4684359" cy="388696"/>
           </a:xfrm>
           <a:prstGeom prst="rect">
             <a:avLst/>
@@ -4280,7 +4314,7 @@
           </a:bodyPr>
           <a:lstStyle/>
           <a:p>
-            <a:pPr lvl="0">
+            <a:pPr xmlns:a="http://schemas.openxmlformats.org/drawingml/2006/main" lvl="0">
               <a:lnSpc>
                 <a:spcPct val="107000"/>
               </a:lnSpc>
@@ -4288,47 +4322,47 @@
                 <a:spcPts val="800"/>
               </a:spcAft>
             </a:pPr>
-            <a:r>
-              <a:rPr lang="fr-FR" b="1" dirty="0">
+            <a:r xmlns:a="http://schemas.openxmlformats.org/drawingml/2006/main">
+              <a:rPr lang="en" dirty="0" smtClean="0">
                 <a:latin typeface="Calibri" panose="020F0502020204030204" pitchFamily="34" charset="0"/>
                 <a:ea typeface="Calibri" panose="020F0502020204030204" pitchFamily="34" charset="0"/>
                 <a:cs typeface="Times New Roman" panose="02020603050405020304" pitchFamily="18" charset="0"/>
               </a:rPr>
-              <a:t>CustomerOrder.xml </a:t>
-            </a:r>
-            <a:r>
-              <a:rPr lang="fr-FR" dirty="0">
+              <a:t>The </a:t>
+            </a:r>
+            <a:r xmlns:a="http://schemas.openxmlformats.org/drawingml/2006/main">
+              <a:rPr lang="en" b="1" dirty="0" smtClean="0">
+                <a:latin typeface="Calibri" panose="020F0502020204030204" pitchFamily="34" charset="0"/>
+                <a:ea typeface="Calibri" panose="020F0502020204030204" pitchFamily="34" charset="0"/>
+                <a:cs typeface="Times New Roman" panose="02020603050405020304" pitchFamily="18" charset="0"/>
+              </a:rPr>
+              <a:t>CustomerOrder.xml file </a:t>
+            </a:r>
+            <a:r xmlns:a="http://schemas.openxmlformats.org/drawingml/2006/main">
+              <a:rPr lang="en" dirty="0" smtClean="0">
+                <a:latin typeface="Calibri" panose="020F0502020204030204" pitchFamily="34" charset="0"/>
+                <a:ea typeface="Calibri" panose="020F0502020204030204" pitchFamily="34" charset="0"/>
+                <a:cs typeface="Times New Roman" panose="02020603050405020304" pitchFamily="18" charset="0"/>
+              </a:rPr>
+              <a:t>of</a:t>
+            </a:r>
+            <a:r xmlns:a="http://schemas.openxmlformats.org/drawingml/2006/main">
+              <a:rPr lang="en" b="1" dirty="0" smtClean="0">
+                <a:latin typeface="Calibri" panose="020F0502020204030204" pitchFamily="34" charset="0"/>
+                <a:ea typeface="Calibri" panose="020F0502020204030204" pitchFamily="34" charset="0"/>
+                <a:cs typeface="Times New Roman" panose="02020603050405020304" pitchFamily="18" charset="0"/>
+              </a:rPr>
+              <a:t> </a:t>
+            </a:r>
+            <a:r xmlns:a="http://schemas.openxmlformats.org/drawingml/2006/main">
+              <a:rPr lang="en" b="1" dirty="0" err="1" smtClean="0">
                 <a:latin typeface="Segoe UI" panose="020B0502040204020203" pitchFamily="34" charset="0"/>
                 <a:ea typeface="Calibri" panose="020F0502020204030204" pitchFamily="34" charset="0"/>
                 <a:cs typeface="Times New Roman" panose="02020603050405020304" pitchFamily="18" charset="0"/>
               </a:rPr>
-              <a:t>file </a:t>
-            </a:r>
-            <a:r>
-              <a:rPr lang="fr-FR" dirty="0" err="1">
-                <a:latin typeface="Segoe UI" panose="020B0502040204020203" pitchFamily="34" charset="0"/>
-                <a:ea typeface="Calibri" panose="020F0502020204030204" pitchFamily="34" charset="0"/>
-                <a:cs typeface="Times New Roman" panose="02020603050405020304" pitchFamily="18" charset="0"/>
-              </a:rPr>
-              <a:t>from</a:t>
-            </a:r>
-            <a:r>
-              <a:rPr lang="fr-FR" dirty="0">
-                <a:latin typeface="Segoe UI" panose="020B0502040204020203" pitchFamily="34" charset="0"/>
-                <a:ea typeface="Calibri" panose="020F0502020204030204" pitchFamily="34" charset="0"/>
-                <a:cs typeface="Times New Roman" panose="02020603050405020304" pitchFamily="18" charset="0"/>
-              </a:rPr>
-              <a:t> </a:t>
-            </a:r>
-            <a:r>
-              <a:rPr lang="fr-FR" b="1" dirty="0" err="1">
-                <a:latin typeface="Segoe UI" panose="020B0502040204020203" pitchFamily="34" charset="0"/>
-                <a:ea typeface="Calibri" panose="020F0502020204030204" pitchFamily="34" charset="0"/>
-                <a:cs typeface="Times New Roman" panose="02020603050405020304" pitchFamily="18" charset="0"/>
-              </a:rPr>
-              <a:t>XMLSources</a:t>
-            </a:r>
-            <a:endParaRPr lang="en-US" sz="1400" dirty="0">
+              <a:t>XML Sources</a:t>
+            </a:r>
+            <a:endParaRPr xmlns:a="http://schemas.openxmlformats.org/drawingml/2006/main" lang="en-US" sz="1400" dirty="0">
               <a:effectLst/>
               <a:latin typeface="Calibri" panose="020F0502020204030204" pitchFamily="34" charset="0"/>
               <a:ea typeface="Calibri" panose="020F0502020204030204" pitchFamily="34" charset="0"/>
@@ -4417,7 +4451,7 @@
         <p:spPr>
           <a:xfrm>
             <a:off x="449178" y="216445"/>
-            <a:ext cx="1837362" cy="366895"/>
+            <a:ext cx="1705916" cy="366895"/>
           </a:xfrm>
           <a:prstGeom prst="rect">
             <a:avLst/>
@@ -4429,7 +4463,7 @@
           </a:bodyPr>
           <a:lstStyle/>
           <a:p>
-            <a:pPr>
+            <a:pPr xmlns:a="http://schemas.openxmlformats.org/drawingml/2006/main">
               <a:lnSpc>
                 <a:spcPct val="107000"/>
               </a:lnSpc>
@@ -4440,103 +4474,17 @@
                 <a:spcPts val="0"/>
               </a:spcAft>
             </a:pPr>
-            <a:r>
-              <a:rPr lang="en-US" b="1" kern="0" dirty="0" smtClean="0">
+            <a:r xmlns:a="http://schemas.openxmlformats.org/drawingml/2006/main">
+              <a:rPr lang="en" b="1" kern="0" dirty="0" smtClean="0">
                 <a:latin typeface="Segoe UI" panose="020B0502040204020203" pitchFamily="34" charset="0"/>
                 <a:ea typeface="Times New Roman" panose="02020603050405020304" pitchFamily="18" charset="0"/>
                 <a:cs typeface="Times New Roman" panose="02020603050405020304" pitchFamily="18" charset="0"/>
               </a:rPr>
-              <a:t>Importing </a:t>
-            </a:r>
-            <a:r>
-              <a:rPr lang="en-US" b="1" kern="0" dirty="0" smtClean="0">
-                <a:latin typeface="Segoe UI" panose="020B0502040204020203" pitchFamily="34" charset="0"/>
-                <a:ea typeface="Times New Roman" panose="02020603050405020304" pitchFamily="18" charset="0"/>
-                <a:cs typeface="Times New Roman" panose="02020603050405020304" pitchFamily="18" charset="0"/>
-              </a:rPr>
-              <a:t>XML</a:t>
-            </a:r>
-            <a:endParaRPr lang="en-US" b="1" kern="0" dirty="0">
+              <a:t>Import XML</a:t>
+            </a:r>
+            <a:endParaRPr xmlns:a="http://schemas.openxmlformats.org/drawingml/2006/main" lang="en-US" b="1" kern="0" dirty="0">
               <a:latin typeface="Segoe UI" panose="020B0502040204020203" pitchFamily="34" charset="0"/>
               <a:ea typeface="Times New Roman" panose="02020603050405020304" pitchFamily="18" charset="0"/>
-              <a:cs typeface="Times New Roman" panose="02020603050405020304" pitchFamily="18" charset="0"/>
-            </a:endParaRPr>
-          </a:p>
-        </p:txBody>
-      </p:sp>
-      <p:sp>
-        <p:nvSpPr>
-          <p:cNvPr id="5" name="Rectangle 4"/>
-          <p:cNvSpPr/>
-          <p:nvPr/>
-        </p:nvSpPr>
-        <p:spPr>
-          <a:xfrm>
-            <a:off x="449178" y="676293"/>
-            <a:ext cx="7100711" cy="373692"/>
-          </a:xfrm>
-          <a:prstGeom prst="rect">
-            <a:avLst/>
-          </a:prstGeom>
-        </p:spPr>
-        <p:txBody>
-          <a:bodyPr wrap="square">
-            <a:spAutoFit/>
-          </a:bodyPr>
-          <a:lstStyle/>
-          <a:p>
-            <a:pPr lvl="0">
-              <a:lnSpc>
-                <a:spcPct val="107000"/>
-              </a:lnSpc>
-              <a:spcAft>
-                <a:spcPts val="800"/>
-              </a:spcAft>
-            </a:pPr>
-            <a:r>
-              <a:rPr lang="en-US" dirty="0" smtClean="0">
-                <a:latin typeface="Segoe UI" panose="020B0502040204020203" pitchFamily="34" charset="0"/>
-                <a:ea typeface="Calibri" panose="020F0502020204030204" pitchFamily="34" charset="0"/>
-                <a:cs typeface="Times New Roman" panose="02020603050405020304" pitchFamily="18" charset="0"/>
-              </a:rPr>
-              <a:t>Try selecting </a:t>
-            </a:r>
-            <a:r>
-              <a:rPr lang="en-US" b="1" dirty="0" smtClean="0">
-                <a:latin typeface="Segoe UI" panose="020B0502040204020203" pitchFamily="34" charset="0"/>
-                <a:ea typeface="Calibri" panose="020F0502020204030204" pitchFamily="34" charset="0"/>
-                <a:cs typeface="Times New Roman" panose="02020603050405020304" pitchFamily="18" charset="0"/>
-              </a:rPr>
-              <a:t>Customer </a:t>
-            </a:r>
-            <a:r>
-              <a:rPr lang="en-US" dirty="0" smtClean="0">
-                <a:latin typeface="Segoe UI" panose="020B0502040204020203" pitchFamily="34" charset="0"/>
-                <a:ea typeface="Calibri" panose="020F0502020204030204" pitchFamily="34" charset="0"/>
-                <a:cs typeface="Times New Roman" panose="02020603050405020304" pitchFamily="18" charset="0"/>
-              </a:rPr>
-              <a:t>alone, then </a:t>
-            </a:r>
-            <a:r>
-              <a:rPr lang="en-US" b="1" dirty="0" smtClean="0">
-                <a:latin typeface="Segoe UI" panose="020B0502040204020203" pitchFamily="34" charset="0"/>
-                <a:ea typeface="Calibri" panose="020F0502020204030204" pitchFamily="34" charset="0"/>
-                <a:cs typeface="Times New Roman" panose="02020603050405020304" pitchFamily="18" charset="0"/>
-              </a:rPr>
-              <a:t>Order </a:t>
-            </a:r>
-            <a:r>
-              <a:rPr lang="en-US" dirty="0" smtClean="0">
-                <a:latin typeface="Segoe UI" panose="020B0502040204020203" pitchFamily="34" charset="0"/>
-                <a:ea typeface="Calibri" panose="020F0502020204030204" pitchFamily="34" charset="0"/>
-                <a:cs typeface="Times New Roman" panose="02020603050405020304" pitchFamily="18" charset="0"/>
-              </a:rPr>
-              <a:t>alone, then both at once.</a:t>
-            </a:r>
-            <a:endParaRPr lang="en-US" sz="1400" dirty="0">
-              <a:effectLst/>
-              <a:latin typeface="Calibri" panose="020F0502020204030204" pitchFamily="34" charset="0"/>
-              <a:ea typeface="Calibri" panose="020F0502020204030204" pitchFamily="34" charset="0"/>
               <a:cs typeface="Times New Roman" panose="02020603050405020304" pitchFamily="18" charset="0"/>
             </a:endParaRPr>
           </a:p>
@@ -4576,6 +4524,149 @@
           </a:effectLst>
         </p:spPr>
       </p:pic>
+      <p:sp>
+        <p:nvSpPr>
+          <p:cNvPr id="2" name="Rectangle 1"/>
+          <p:cNvSpPr>
+            <a:spLocks noChangeArrowheads="1"/>
+          </p:cNvSpPr>
+          <p:nvPr/>
+        </p:nvSpPr>
+        <p:spPr bwMode="auto">
+          <a:xfrm>
+            <a:off x="449178" y="631169"/>
+            <a:ext cx="9401727" cy="369332"/>
+          </a:xfrm>
+          <a:prstGeom prst="rect">
+            <a:avLst/>
+          </a:prstGeom>
+          <a:noFill/>
+          <a:ln>
+            <a:noFill/>
+          </a:ln>
+          <a:effectLst/>
+          <a:extLst>
+            <a:ext uri="{909E8E84-426E-40DD-AFC4-6F175D3DCCD1}">
+              <a14:hiddenFill xmlns:a14="http://schemas.microsoft.com/office/drawing/2010/main">
+                <a:solidFill>
+                  <a:schemeClr val="accent1"/>
+                </a:solidFill>
+              </a14:hiddenFill>
+            </a:ext>
+            <a:ext uri="{91240B29-F687-4F45-9708-019B960494DF}">
+              <a14:hiddenLine xmlns:a14="http://schemas.microsoft.com/office/drawing/2010/main" w="9525">
+                <a:solidFill>
+                  <a:schemeClr val="tx1"/>
+                </a:solidFill>
+                <a:miter lim="800000"/>
+                <a:headEnd/>
+                <a:tailEnd/>
+              </a14:hiddenLine>
+            </a:ext>
+            <a:ext uri="{AF507438-7753-43E0-B8FC-AC1667EBCBE1}">
+              <a14:hiddenEffects xmlns:a14="http://schemas.microsoft.com/office/drawing/2010/main">
+                <a:effectLst>
+                  <a:outerShdw dist="35921" dir="2700000" algn="ctr" rotWithShape="0">
+                    <a:schemeClr val="bg2"/>
+                  </a:outerShdw>
+                </a:effectLst>
+              </a14:hiddenEffects>
+            </a:ext>
+          </a:extLst>
+        </p:spPr>
+        <p:txBody>
+          <a:bodyPr vert="horz" wrap="square" lIns="91440" tIns="45720" rIns="91440" bIns="45720" numCol="1" anchor="ctr" anchorCtr="0" compatLnSpc="1">
+            <a:prstTxWarp prst="textNoShape">
+              <a:avLst/>
+            </a:prstTxWarp>
+            <a:spAutoFit/>
+          </a:bodyPr>
+          <a:lstStyle/>
+          <a:p>
+            <a:pPr xmlns:a="http://schemas.openxmlformats.org/drawingml/2006/main" marL="0" marR="0" lvl="0" indent="0" algn="l" defTabSz="914400" rtl="0" eaLnBrk="0" fontAlgn="base" latinLnBrk="0" hangingPunct="0">
+              <a:lnSpc>
+                <a:spcPct val="100000"/>
+              </a:lnSpc>
+              <a:spcBef>
+                <a:spcPct val="0"/>
+              </a:spcBef>
+              <a:spcAft>
+                <a:spcPct val="0"/>
+              </a:spcAft>
+              <a:buClrTx/>
+              <a:buSzTx/>
+              <a:buFontTx/>
+              <a:buNone/>
+              <a:tabLst/>
+            </a:pPr>
+            <a:r xmlns:a="http://schemas.openxmlformats.org/drawingml/2006/main">
+              <a:rPr kumimoji="0" lang="en" altLang="en-US" sz="1800" b="0" i="0" u="none" strike="noStrike" cap="none" normalizeH="0" baseline="0" dirty="0" smtClean="0">
+                <a:ln>
+                  <a:noFill/>
+                </a:ln>
+                <a:solidFill>
+                  <a:schemeClr val="tx1"/>
+                </a:solidFill>
+                <a:effectLst/>
+                <a:latin typeface="Arial" panose="020B0604020202020204" pitchFamily="34" charset="0"/>
+              </a:rPr>
+              <a:t>Try selecting </a:t>
+            </a:r>
+            <a:r xmlns:a="http://schemas.openxmlformats.org/drawingml/2006/main">
+              <a:rPr kumimoji="0" lang="en" altLang="en-US" sz="1800" b="1" i="0" u="none" strike="noStrike" cap="none" normalizeH="0" baseline="0" dirty="0" smtClean="0">
+                <a:ln>
+                  <a:noFill/>
+                </a:ln>
+                <a:solidFill>
+                  <a:schemeClr val="tx1"/>
+                </a:solidFill>
+                <a:effectLst/>
+                <a:latin typeface="Arial" panose="020B0604020202020204" pitchFamily="34" charset="0"/>
+              </a:rPr>
+              <a:t>Customer </a:t>
+            </a:r>
+            <a:r xmlns:a="http://schemas.openxmlformats.org/drawingml/2006/main">
+              <a:rPr kumimoji="0" lang="en" altLang="en-US" sz="1800" b="0" i="0" u="none" strike="noStrike" cap="none" normalizeH="0" baseline="0" dirty="0" smtClean="0">
+                <a:ln>
+                  <a:noFill/>
+                </a:ln>
+                <a:solidFill>
+                  <a:schemeClr val="tx1"/>
+                </a:solidFill>
+                <a:effectLst/>
+                <a:latin typeface="Arial" panose="020B0604020202020204" pitchFamily="34" charset="0"/>
+              </a:rPr>
+              <a:t>only, then </a:t>
+            </a:r>
+            <a:r xmlns:a="http://schemas.openxmlformats.org/drawingml/2006/main">
+              <a:rPr kumimoji="0" lang="en" altLang="en-US" sz="1800" b="1" i="0" u="none" strike="noStrike" cap="none" normalizeH="0" baseline="0" dirty="0" err="1" smtClean="0">
+                <a:ln>
+                  <a:noFill/>
+                </a:ln>
+                <a:solidFill>
+                  <a:schemeClr val="tx1"/>
+                </a:solidFill>
+                <a:effectLst/>
+                <a:latin typeface="Arial" panose="020B0604020202020204" pitchFamily="34" charset="0"/>
+              </a:rPr>
+              <a:t>Order </a:t>
+            </a:r>
+            <a:r xmlns:a="http://schemas.openxmlformats.org/drawingml/2006/main">
+              <a:rPr kumimoji="0" lang="en" altLang="en-US" sz="1800" b="0" i="0" u="none" strike="noStrike" cap="none" normalizeH="0" baseline="0" dirty="0" smtClean="0">
+                <a:ln>
+                  <a:noFill/>
+                </a:ln>
+                <a:solidFill>
+                  <a:schemeClr val="tx1"/>
+                </a:solidFill>
+                <a:effectLst/>
+                <a:latin typeface="Arial" panose="020B0604020202020204" pitchFamily="34" charset="0"/>
+              </a:rPr>
+              <a:t>only, then both at the same time.</a:t>
+            </a:r>
+          </a:p>
+        </p:txBody>
+      </p:sp>
     </p:spTree>
     <p:extLst>
       <p:ext uri="{BB962C8B-B14F-4D97-AF65-F5344CB8AC3E}">
@@ -4662,14 +4753,14 @@
       </p:sp>
       <p:sp>
         <p:nvSpPr>
-          <p:cNvPr id="5" name="TextBox 4"/>
+          <p:cNvPr id="7" name="TextBox 4"/>
           <p:cNvSpPr txBox="1"/>
           <p:nvPr/>
         </p:nvSpPr>
         <p:spPr>
           <a:xfrm>
-            <a:off x="2916199" y="2162433"/>
-            <a:ext cx="6230360" cy="1569660"/>
+            <a:off x="4402178" y="2685208"/>
+            <a:ext cx="3456395" cy="1569660"/>
           </a:xfrm>
           <a:prstGeom prst="rect">
             <a:avLst/>
@@ -4680,10 +4771,104 @@
           <a:bodyPr wrap="none" rtlCol="0">
             <a:spAutoFit/>
           </a:bodyPr>
-          <a:lstStyle/>
-          <a:p>
-            <a:r>
-              <a:rPr lang="en-US" sz="9600" b="1" dirty="0" smtClean="0">
+          <a:lstStyle>
+            <a:defPPr>
+              <a:defRPr lang="en-US"/>
+            </a:defPPr>
+            <a:lvl1pPr marL="0" algn="l" defTabSz="914400" rtl="0" eaLnBrk="1" latinLnBrk="0" hangingPunct="1">
+              <a:defRPr sz="1800" kern="1200">
+                <a:solidFill>
+                  <a:schemeClr val="tx1"/>
+                </a:solidFill>
+                <a:latin typeface="+mn-lt"/>
+                <a:ea typeface="+mn-ea"/>
+                <a:cs typeface="+mn-cs"/>
+              </a:defRPr>
+            </a:lvl1pPr>
+            <a:lvl2pPr marL="457200" algn="l" defTabSz="914400" rtl="0" eaLnBrk="1" latinLnBrk="0" hangingPunct="1">
+              <a:defRPr sz="1800" kern="1200">
+                <a:solidFill>
+                  <a:schemeClr val="tx1"/>
+                </a:solidFill>
+                <a:latin typeface="+mn-lt"/>
+                <a:ea typeface="+mn-ea"/>
+                <a:cs typeface="+mn-cs"/>
+              </a:defRPr>
+            </a:lvl2pPr>
+            <a:lvl3pPr marL="914400" algn="l" defTabSz="914400" rtl="0" eaLnBrk="1" latinLnBrk="0" hangingPunct="1">
+              <a:defRPr sz="1800" kern="1200">
+                <a:solidFill>
+                  <a:schemeClr val="tx1"/>
+                </a:solidFill>
+                <a:latin typeface="+mn-lt"/>
+                <a:ea typeface="+mn-ea"/>
+                <a:cs typeface="+mn-cs"/>
+              </a:defRPr>
+            </a:lvl3pPr>
+            <a:lvl4pPr marL="1371600" algn="l" defTabSz="914400" rtl="0" eaLnBrk="1" latinLnBrk="0" hangingPunct="1">
+              <a:defRPr sz="1800" kern="1200">
+                <a:solidFill>
+                  <a:schemeClr val="tx1"/>
+                </a:solidFill>
+                <a:latin typeface="+mn-lt"/>
+                <a:ea typeface="+mn-ea"/>
+                <a:cs typeface="+mn-cs"/>
+              </a:defRPr>
+            </a:lvl4pPr>
+            <a:lvl5pPr marL="1828800" algn="l" defTabSz="914400" rtl="0" eaLnBrk="1" latinLnBrk="0" hangingPunct="1">
+              <a:defRPr sz="1800" kern="1200">
+                <a:solidFill>
+                  <a:schemeClr val="tx1"/>
+                </a:solidFill>
+                <a:latin typeface="+mn-lt"/>
+                <a:ea typeface="+mn-ea"/>
+                <a:cs typeface="+mn-cs"/>
+              </a:defRPr>
+            </a:lvl5pPr>
+            <a:lvl6pPr marL="2286000" algn="l" defTabSz="914400" rtl="0" eaLnBrk="1" latinLnBrk="0" hangingPunct="1">
+              <a:defRPr sz="1800" kern="1200">
+                <a:solidFill>
+                  <a:schemeClr val="tx1"/>
+                </a:solidFill>
+                <a:latin typeface="+mn-lt"/>
+                <a:ea typeface="+mn-ea"/>
+                <a:cs typeface="+mn-cs"/>
+              </a:defRPr>
+            </a:lvl6pPr>
+            <a:lvl7pPr marL="2743200" algn="l" defTabSz="914400" rtl="0" eaLnBrk="1" latinLnBrk="0" hangingPunct="1">
+              <a:defRPr sz="1800" kern="1200">
+                <a:solidFill>
+                  <a:schemeClr val="tx1"/>
+                </a:solidFill>
+                <a:latin typeface="+mn-lt"/>
+                <a:ea typeface="+mn-ea"/>
+                <a:cs typeface="+mn-cs"/>
+              </a:defRPr>
+            </a:lvl7pPr>
+            <a:lvl8pPr marL="3200400" algn="l" defTabSz="914400" rtl="0" eaLnBrk="1" latinLnBrk="0" hangingPunct="1">
+              <a:defRPr sz="1800" kern="1200">
+                <a:solidFill>
+                  <a:schemeClr val="tx1"/>
+                </a:solidFill>
+                <a:latin typeface="+mn-lt"/>
+                <a:ea typeface="+mn-ea"/>
+                <a:cs typeface="+mn-cs"/>
+              </a:defRPr>
+            </a:lvl8pPr>
+            <a:lvl9pPr marL="3657600" algn="l" defTabSz="914400" rtl="0" eaLnBrk="1" latinLnBrk="0" hangingPunct="1">
+              <a:defRPr sz="1800" kern="1200">
+                <a:solidFill>
+                  <a:schemeClr val="tx1"/>
+                </a:solidFill>
+                <a:latin typeface="+mn-lt"/>
+                <a:ea typeface="+mn-ea"/>
+                <a:cs typeface="+mn-cs"/>
+              </a:defRPr>
+            </a:lvl9pPr>
+          </a:lstStyle>
+          <a:p>
+            <a:r xmlns:a="http://schemas.openxmlformats.org/drawingml/2006/main">
+              <a:rPr lang="en" sz="9600" b="1" dirty="0" smtClean="0">
                 <a:solidFill>
                   <a:srgbClr val="7030A0"/>
                 </a:solidFill>
@@ -4691,9 +4876,9 @@
                 <a:ea typeface="Verdana" panose="020B0604030504040204" pitchFamily="34" charset="0"/>
                 <a:cs typeface="Segoe UI" panose="020B0502040204020203" pitchFamily="34" charset="0"/>
               </a:rPr>
-              <a:t>Thank you</a:t>
-            </a:r>
-            <a:endParaRPr lang="en-US" sz="9600" b="1" dirty="0">
+              <a:t>THANKS</a:t>
+            </a:r>
+            <a:endParaRPr xmlns:a="http://schemas.openxmlformats.org/drawingml/2006/main" lang="en-US" sz="9600" b="1" dirty="0">
               <a:solidFill>
                 <a:srgbClr val="7030A0"/>
               </a:solidFill>
@@ -4706,14 +4891,14 @@
       </p:sp>
       <p:sp>
         <p:nvSpPr>
-          <p:cNvPr id="6" name="TextBox 5"/>
+          <p:cNvPr id="8" name="TextBox 5"/>
           <p:cNvSpPr txBox="1"/>
           <p:nvPr/>
         </p:nvSpPr>
         <p:spPr>
           <a:xfrm>
-            <a:off x="2990336" y="2217861"/>
-            <a:ext cx="6230360" cy="1569660"/>
+            <a:off x="4333426" y="2603133"/>
+            <a:ext cx="3456395" cy="1569660"/>
           </a:xfrm>
           <a:prstGeom prst="rect">
             <a:avLst/>
@@ -4724,10 +4909,104 @@
           <a:bodyPr wrap="none" rtlCol="0">
             <a:spAutoFit/>
           </a:bodyPr>
-          <a:lstStyle/>
-          <a:p>
-            <a:r>
-              <a:rPr lang="en-US" sz="9600" b="1" dirty="0" smtClean="0">
+          <a:lstStyle>
+            <a:defPPr>
+              <a:defRPr lang="en-US"/>
+            </a:defPPr>
+            <a:lvl1pPr marL="0" algn="l" defTabSz="914400" rtl="0" eaLnBrk="1" latinLnBrk="0" hangingPunct="1">
+              <a:defRPr sz="1800" kern="1200">
+                <a:solidFill>
+                  <a:schemeClr val="tx1"/>
+                </a:solidFill>
+                <a:latin typeface="+mn-lt"/>
+                <a:ea typeface="+mn-ea"/>
+                <a:cs typeface="+mn-cs"/>
+              </a:defRPr>
+            </a:lvl1pPr>
+            <a:lvl2pPr marL="457200" algn="l" defTabSz="914400" rtl="0" eaLnBrk="1" latinLnBrk="0" hangingPunct="1">
+              <a:defRPr sz="1800" kern="1200">
+                <a:solidFill>
+                  <a:schemeClr val="tx1"/>
+                </a:solidFill>
+                <a:latin typeface="+mn-lt"/>
+                <a:ea typeface="+mn-ea"/>
+                <a:cs typeface="+mn-cs"/>
+              </a:defRPr>
+            </a:lvl2pPr>
+            <a:lvl3pPr marL="914400" algn="l" defTabSz="914400" rtl="0" eaLnBrk="1" latinLnBrk="0" hangingPunct="1">
+              <a:defRPr sz="1800" kern="1200">
+                <a:solidFill>
+                  <a:schemeClr val="tx1"/>
+                </a:solidFill>
+                <a:latin typeface="+mn-lt"/>
+                <a:ea typeface="+mn-ea"/>
+                <a:cs typeface="+mn-cs"/>
+              </a:defRPr>
+            </a:lvl3pPr>
+            <a:lvl4pPr marL="1371600" algn="l" defTabSz="914400" rtl="0" eaLnBrk="1" latinLnBrk="0" hangingPunct="1">
+              <a:defRPr sz="1800" kern="1200">
+                <a:solidFill>
+                  <a:schemeClr val="tx1"/>
+                </a:solidFill>
+                <a:latin typeface="+mn-lt"/>
+                <a:ea typeface="+mn-ea"/>
+                <a:cs typeface="+mn-cs"/>
+              </a:defRPr>
+            </a:lvl4pPr>
+            <a:lvl5pPr marL="1828800" algn="l" defTabSz="914400" rtl="0" eaLnBrk="1" latinLnBrk="0" hangingPunct="1">
+              <a:defRPr sz="1800" kern="1200">
+                <a:solidFill>
+                  <a:schemeClr val="tx1"/>
+                </a:solidFill>
+                <a:latin typeface="+mn-lt"/>
+                <a:ea typeface="+mn-ea"/>
+                <a:cs typeface="+mn-cs"/>
+              </a:defRPr>
+            </a:lvl5pPr>
+            <a:lvl6pPr marL="2286000" algn="l" defTabSz="914400" rtl="0" eaLnBrk="1" latinLnBrk="0" hangingPunct="1">
+              <a:defRPr sz="1800" kern="1200">
+                <a:solidFill>
+                  <a:schemeClr val="tx1"/>
+                </a:solidFill>
+                <a:latin typeface="+mn-lt"/>
+                <a:ea typeface="+mn-ea"/>
+                <a:cs typeface="+mn-cs"/>
+              </a:defRPr>
+            </a:lvl6pPr>
+            <a:lvl7pPr marL="2743200" algn="l" defTabSz="914400" rtl="0" eaLnBrk="1" latinLnBrk="0" hangingPunct="1">
+              <a:defRPr sz="1800" kern="1200">
+                <a:solidFill>
+                  <a:schemeClr val="tx1"/>
+                </a:solidFill>
+                <a:latin typeface="+mn-lt"/>
+                <a:ea typeface="+mn-ea"/>
+                <a:cs typeface="+mn-cs"/>
+              </a:defRPr>
+            </a:lvl7pPr>
+            <a:lvl8pPr marL="3200400" algn="l" defTabSz="914400" rtl="0" eaLnBrk="1" latinLnBrk="0" hangingPunct="1">
+              <a:defRPr sz="1800" kern="1200">
+                <a:solidFill>
+                  <a:schemeClr val="tx1"/>
+                </a:solidFill>
+                <a:latin typeface="+mn-lt"/>
+                <a:ea typeface="+mn-ea"/>
+                <a:cs typeface="+mn-cs"/>
+              </a:defRPr>
+            </a:lvl8pPr>
+            <a:lvl9pPr marL="3657600" algn="l" defTabSz="914400" rtl="0" eaLnBrk="1" latinLnBrk="0" hangingPunct="1">
+              <a:defRPr sz="1800" kern="1200">
+                <a:solidFill>
+                  <a:schemeClr val="tx1"/>
+                </a:solidFill>
+                <a:latin typeface="+mn-lt"/>
+                <a:ea typeface="+mn-ea"/>
+                <a:cs typeface="+mn-cs"/>
+              </a:defRPr>
+            </a:lvl9pPr>
+          </a:lstStyle>
+          <a:p>
+            <a:r xmlns:a="http://schemas.openxmlformats.org/drawingml/2006/main">
+              <a:rPr lang="en" sz="9600" b="1" dirty="0" smtClean="0">
                 <a:solidFill>
                   <a:schemeClr val="bg1"/>
                 </a:solidFill>
@@ -4735,9 +5014,9 @@
                 <a:ea typeface="Verdana" panose="020B0604030504040204" pitchFamily="34" charset="0"/>
                 <a:cs typeface="Segoe UI" panose="020B0502040204020203" pitchFamily="34" charset="0"/>
               </a:rPr>
-              <a:t>Thank you</a:t>
-            </a:r>
-            <a:endParaRPr lang="en-US" sz="9600" b="1" dirty="0">
+              <a:t>THANKS</a:t>
+            </a:r>
+            <a:endParaRPr xmlns:a="http://schemas.openxmlformats.org/drawingml/2006/main" lang="en-US" sz="9600" b="1" dirty="0">
               <a:solidFill>
                 <a:schemeClr val="bg1"/>
               </a:solidFill>

--- a/English/1.Importation techniques/7.Importing XML.pptx
+++ b/English/1.Importation techniques/7.Importing XML.pptx
@@ -201,7 +201,7 @@
           <a:p>
             <a:fld id="{056BA3B8-9F76-4D81-B71D-76CB85363062}" type="datetimeFigureOut">
               <a:rPr lang="en-US" smtClean="0"/>
-              <a:t>2/25/2025</a:t>
+              <a:t>4/3/2025</a:t>
             </a:fld>
             <a:endParaRPr lang="en-US"/>
           </a:p>
@@ -852,7 +852,7 @@
           <a:p>
             <a:fld id="{6F01DA4D-20EA-48D2-973C-0311EC3005D6}" type="datetimeFigureOut">
               <a:rPr lang="en-US" smtClean="0"/>
-              <a:t>2/25/2025</a:t>
+              <a:t>4/3/2025</a:t>
             </a:fld>
             <a:endParaRPr lang="en-US"/>
           </a:p>
@@ -1022,7 +1022,7 @@
           <a:p>
             <a:fld id="{6F01DA4D-20EA-48D2-973C-0311EC3005D6}" type="datetimeFigureOut">
               <a:rPr lang="en-US" smtClean="0"/>
-              <a:t>2/25/2025</a:t>
+              <a:t>4/3/2025</a:t>
             </a:fld>
             <a:endParaRPr lang="en-US"/>
           </a:p>
@@ -1202,7 +1202,7 @@
           <a:p>
             <a:fld id="{6F01DA4D-20EA-48D2-973C-0311EC3005D6}" type="datetimeFigureOut">
               <a:rPr lang="en-US" smtClean="0"/>
-              <a:t>2/25/2025</a:t>
+              <a:t>4/3/2025</a:t>
             </a:fld>
             <a:endParaRPr lang="en-US"/>
           </a:p>
@@ -1372,7 +1372,7 @@
           <a:p>
             <a:fld id="{6F01DA4D-20EA-48D2-973C-0311EC3005D6}" type="datetimeFigureOut">
               <a:rPr lang="en-US" smtClean="0"/>
-              <a:t>2/25/2025</a:t>
+              <a:t>4/3/2025</a:t>
             </a:fld>
             <a:endParaRPr lang="en-US"/>
           </a:p>
@@ -1618,7 +1618,7 @@
           <a:p>
             <a:fld id="{6F01DA4D-20EA-48D2-973C-0311EC3005D6}" type="datetimeFigureOut">
               <a:rPr lang="en-US" smtClean="0"/>
-              <a:t>2/25/2025</a:t>
+              <a:t>4/3/2025</a:t>
             </a:fld>
             <a:endParaRPr lang="en-US"/>
           </a:p>
@@ -1850,7 +1850,7 @@
           <a:p>
             <a:fld id="{6F01DA4D-20EA-48D2-973C-0311EC3005D6}" type="datetimeFigureOut">
               <a:rPr lang="en-US" smtClean="0"/>
-              <a:t>2/25/2025</a:t>
+              <a:t>4/3/2025</a:t>
             </a:fld>
             <a:endParaRPr lang="en-US"/>
           </a:p>
@@ -2217,7 +2217,7 @@
           <a:p>
             <a:fld id="{6F01DA4D-20EA-48D2-973C-0311EC3005D6}" type="datetimeFigureOut">
               <a:rPr lang="en-US" smtClean="0"/>
-              <a:t>2/25/2025</a:t>
+              <a:t>4/3/2025</a:t>
             </a:fld>
             <a:endParaRPr lang="en-US"/>
           </a:p>
@@ -2335,7 +2335,7 @@
           <a:p>
             <a:fld id="{6F01DA4D-20EA-48D2-973C-0311EC3005D6}" type="datetimeFigureOut">
               <a:rPr lang="en-US" smtClean="0"/>
-              <a:t>2/25/2025</a:t>
+              <a:t>4/3/2025</a:t>
             </a:fld>
             <a:endParaRPr lang="en-US"/>
           </a:p>
@@ -2430,7 +2430,7 @@
           <a:p>
             <a:fld id="{6F01DA4D-20EA-48D2-973C-0311EC3005D6}" type="datetimeFigureOut">
               <a:rPr lang="en-US" smtClean="0"/>
-              <a:t>2/25/2025</a:t>
+              <a:t>4/3/2025</a:t>
             </a:fld>
             <a:endParaRPr lang="en-US"/>
           </a:p>
@@ -2707,7 +2707,7 @@
           <a:p>
             <a:fld id="{6F01DA4D-20EA-48D2-973C-0311EC3005D6}" type="datetimeFigureOut">
               <a:rPr lang="en-US" smtClean="0"/>
-              <a:t>2/25/2025</a:t>
+              <a:t>4/3/2025</a:t>
             </a:fld>
             <a:endParaRPr lang="en-US"/>
           </a:p>
@@ -2960,7 +2960,7 @@
           <a:p>
             <a:fld id="{6F01DA4D-20EA-48D2-973C-0311EC3005D6}" type="datetimeFigureOut">
               <a:rPr lang="en-US" smtClean="0"/>
-              <a:t>2/25/2025</a:t>
+              <a:t>4/3/2025</a:t>
             </a:fld>
             <a:endParaRPr lang="en-US"/>
           </a:p>
@@ -3173,7 +3173,7 @@
           <a:p>
             <a:fld id="{6F01DA4D-20EA-48D2-973C-0311EC3005D6}" type="datetimeFigureOut">
               <a:rPr lang="en-US" smtClean="0"/>
-              <a:t>2/25/2025</a:t>
+              <a:t>4/3/2025</a:t>
             </a:fld>
             <a:endParaRPr lang="en-US"/>
           </a:p>
@@ -3608,8 +3608,8 @@
           </a:bodyPr>
           <a:lstStyle/>
           <a:p>
-            <a:pPr xmlns:a="http://schemas.openxmlformats.org/drawingml/2006/main" algn="ctr"/>
-            <a:r xmlns:a="http://schemas.openxmlformats.org/drawingml/2006/main">
+            <a:pPr algn="ctr"/>
+            <a:r>
               <a:rPr lang="en" sz="8000" b="1" dirty="0" smtClean="0">
                 <a:solidFill>
                   <a:srgbClr val="7030A0"/>
@@ -3618,20 +3618,9 @@
                 <a:ea typeface="Verdana" panose="020B0604030504040204" pitchFamily="34" charset="0"/>
                 <a:cs typeface="Segoe UI" panose="020B0502040204020203" pitchFamily="34" charset="0"/>
               </a:rPr>
-              <a:t>Import </a:t>
-            </a:r>
-            <a:r xmlns:a="http://schemas.openxmlformats.org/drawingml/2006/main">
-              <a:rPr lang="en" sz="8000" b="1" dirty="0" smtClean="0">
-                <a:solidFill>
-                  <a:srgbClr val="7030A0"/>
-                </a:solidFill>
-                <a:latin typeface="Segoe UI" panose="020B0502040204020203" pitchFamily="34" charset="0"/>
-                <a:ea typeface="Verdana" panose="020B0604030504040204" pitchFamily="34" charset="0"/>
-                <a:cs typeface="Segoe UI" panose="020B0502040204020203" pitchFamily="34" charset="0"/>
-              </a:rPr>
-              <a:t>XML</a:t>
-            </a:r>
-            <a:endParaRPr xmlns:a="http://schemas.openxmlformats.org/drawingml/2006/main" lang="en-US" sz="8000" b="1" dirty="0">
+              <a:t>Import XML</a:t>
+            </a:r>
+            <a:endParaRPr lang="en-US" sz="8000" b="1" dirty="0">
               <a:solidFill>
                 <a:srgbClr val="7030A0"/>
               </a:solidFill>
@@ -3664,8 +3653,8 @@
           </a:bodyPr>
           <a:lstStyle/>
           <a:p>
-            <a:pPr xmlns:a="http://schemas.openxmlformats.org/drawingml/2006/main" algn="ctr"/>
-            <a:r xmlns:a="http://schemas.openxmlformats.org/drawingml/2006/main">
+            <a:pPr algn="ctr"/>
+            <a:r>
               <a:rPr lang="en" sz="8000" b="1" dirty="0" smtClean="0">
                 <a:solidFill>
                   <a:schemeClr val="bg1"/>
@@ -3676,7 +3665,7 @@
               </a:rPr>
               <a:t>Import XML</a:t>
             </a:r>
-            <a:endParaRPr xmlns:a="http://schemas.openxmlformats.org/drawingml/2006/main" lang="en-US" sz="8000" b="1" dirty="0">
+            <a:endParaRPr lang="en-US" sz="8000" b="1" dirty="0">
               <a:solidFill>
                 <a:schemeClr val="bg1"/>
               </a:solidFill>
@@ -3745,7 +3734,7 @@
           </a:bodyPr>
           <a:lstStyle/>
           <a:p>
-            <a:pPr xmlns:a="http://schemas.openxmlformats.org/drawingml/2006/main">
+            <a:pPr>
               <a:lnSpc>
                 <a:spcPct val="107000"/>
               </a:lnSpc>
@@ -3756,7 +3745,7 @@
                 <a:spcPts val="0"/>
               </a:spcAft>
             </a:pPr>
-            <a:r xmlns:a="http://schemas.openxmlformats.org/drawingml/2006/main">
+            <a:r>
               <a:rPr lang="en" b="1" kern="0" dirty="0" smtClean="0">
                 <a:latin typeface="Segoe UI" panose="020B0502040204020203" pitchFamily="34" charset="0"/>
                 <a:ea typeface="Times New Roman" panose="02020603050405020304" pitchFamily="18" charset="0"/>
@@ -3764,7 +3753,7 @@
               </a:rPr>
               <a:t>Import XML</a:t>
             </a:r>
-            <a:endParaRPr xmlns:a="http://schemas.openxmlformats.org/drawingml/2006/main" lang="en-US" b="1" kern="0" dirty="0">
+            <a:endParaRPr lang="en-US" b="1" kern="0" dirty="0">
               <a:latin typeface="Segoe UI" panose="020B0502040204020203" pitchFamily="34" charset="0"/>
               <a:ea typeface="Times New Roman" panose="02020603050405020304" pitchFamily="18" charset="0"/>
               <a:cs typeface="Times New Roman" panose="02020603050405020304" pitchFamily="18" charset="0"/>
@@ -3889,12 +3878,12 @@
           <a:bodyPr rtlCol="0" anchor="ctr"/>
           <a:lstStyle/>
           <a:p>
-            <a:pPr xmlns:a="http://schemas.openxmlformats.org/drawingml/2006/main" algn="ctr"/>
-            <a:r xmlns:a="http://schemas.openxmlformats.org/drawingml/2006/main">
+            <a:pPr algn="ctr"/>
+            <a:r>
               <a:rPr lang="en" b="1" dirty="0" smtClean="0"/>
               <a:t>1</a:t>
             </a:r>
-            <a:endParaRPr xmlns:a="http://schemas.openxmlformats.org/drawingml/2006/main" lang="en-US" b="1" dirty="0"/>
+            <a:endParaRPr lang="en-US" b="1" dirty="0"/>
           </a:p>
         </p:txBody>
       </p:sp>
@@ -3939,12 +3928,12 @@
           <a:bodyPr rtlCol="0" anchor="ctr"/>
           <a:lstStyle/>
           <a:p>
-            <a:pPr xmlns:a="http://schemas.openxmlformats.org/drawingml/2006/main" algn="ctr"/>
-            <a:r xmlns:a="http://schemas.openxmlformats.org/drawingml/2006/main">
+            <a:pPr algn="ctr"/>
+            <a:r>
               <a:rPr lang="en" b="1" dirty="0" smtClean="0"/>
               <a:t>2</a:t>
             </a:r>
-            <a:endParaRPr xmlns:a="http://schemas.openxmlformats.org/drawingml/2006/main" lang="en-US" b="1" dirty="0"/>
+            <a:endParaRPr lang="en-US" b="1" dirty="0"/>
           </a:p>
         </p:txBody>
       </p:sp>
@@ -4007,7 +3996,7 @@
           </a:bodyPr>
           <a:lstStyle/>
           <a:p>
-            <a:pPr xmlns:a="http://schemas.openxmlformats.org/drawingml/2006/main" marL="0" marR="0" lvl="0" indent="0" algn="l" defTabSz="914400" rtl="0" eaLnBrk="0" fontAlgn="base" latinLnBrk="0" hangingPunct="0">
+            <a:pPr marL="0" marR="0" lvl="0" indent="0" algn="l" defTabSz="914400" rtl="0" eaLnBrk="0" fontAlgn="base" latinLnBrk="0" hangingPunct="0">
               <a:lnSpc>
                 <a:spcPct val="100000"/>
               </a:lnSpc>
@@ -4023,7 +4012,7 @@
               <a:buNone/>
               <a:tabLst/>
             </a:pPr>
-            <a:r xmlns:a="http://schemas.openxmlformats.org/drawingml/2006/main">
+            <a:r>
               <a:rPr kumimoji="0" lang="en" altLang="en-US" sz="1800" b="0" i="0" u="none" strike="noStrike" cap="none" normalizeH="0" baseline="0" smtClean="0">
                 <a:ln>
                   <a:noFill/>
@@ -4036,7 +4025,7 @@
               </a:rPr>
               <a:t>Note: This lab uses the </a:t>
             </a:r>
-            <a:r xmlns:a="http://schemas.openxmlformats.org/drawingml/2006/main">
+            <a:r>
               <a:rPr kumimoji="0" lang="en" altLang="en-US" sz="1800" b="1" i="0" u="none" strike="noStrike" cap="none" normalizeH="0" baseline="0" smtClean="0">
                 <a:ln>
                   <a:noFill/>
@@ -4049,7 +4038,7 @@
               </a:rPr>
               <a:t>CustomerOrder.xml file </a:t>
             </a:r>
-            <a:r xmlns:a="http://schemas.openxmlformats.org/drawingml/2006/main">
+            <a:r>
               <a:rPr kumimoji="0" lang="en" altLang="en-US" sz="1800" b="0" i="0" u="none" strike="noStrike" cap="none" normalizeH="0" baseline="0" smtClean="0">
                 <a:ln>
                   <a:noFill/>
@@ -4062,7 +4051,7 @@
               </a:rPr>
               <a:t>located in the </a:t>
             </a:r>
-            <a:r xmlns:a="http://schemas.openxmlformats.org/drawingml/2006/main">
+            <a:r>
               <a:rPr kumimoji="0" lang="en" altLang="en-US" sz="1800" b="1" i="0" u="none" strike="noStrike" cap="none" normalizeH="0" baseline="0" smtClean="0">
                 <a:ln>
                   <a:noFill/>
@@ -4075,7 +4064,7 @@
               </a:rPr>
               <a:t>resources/XmlSources folder </a:t>
             </a:r>
-            <a:r xmlns:a="http://schemas.openxmlformats.org/drawingml/2006/main">
+            <a:r>
               <a:rPr kumimoji="0" lang="en" altLang="en-US" sz="1800" b="0" i="0" u="none" strike="noStrike" cap="none" normalizeH="0" baseline="0" smtClean="0">
                 <a:ln>
                   <a:noFill/>
@@ -4150,7 +4139,7 @@
           </a:bodyPr>
           <a:lstStyle/>
           <a:p>
-            <a:pPr xmlns:a="http://schemas.openxmlformats.org/drawingml/2006/main" marL="0" marR="0" lvl="0" indent="0" algn="l" defTabSz="914400" rtl="0" eaLnBrk="0" fontAlgn="base" latinLnBrk="0" hangingPunct="0">
+            <a:pPr marL="0" marR="0" lvl="0" indent="0" algn="l" defTabSz="914400" rtl="0" eaLnBrk="0" fontAlgn="base" latinLnBrk="0" hangingPunct="0">
               <a:lnSpc>
                 <a:spcPct val="100000"/>
               </a:lnSpc>
@@ -4166,7 +4155,7 @@
               <a:buNone/>
               <a:tabLst/>
             </a:pPr>
-            <a:r xmlns:a="http://schemas.openxmlformats.org/drawingml/2006/main">
+            <a:r>
               <a:rPr kumimoji="0" lang="en" altLang="en-US" sz="1800" b="0" i="0" u="none" strike="noStrike" cap="none" normalizeH="0" baseline="0" smtClean="0">
                 <a:ln>
                   <a:noFill/>
@@ -4179,7 +4168,7 @@
               </a:rPr>
               <a:t>Select </a:t>
             </a:r>
-            <a:r xmlns:a="http://schemas.openxmlformats.org/drawingml/2006/main">
+            <a:r>
               <a:rPr kumimoji="0" lang="en" altLang="en-US" sz="1800" b="1" i="0" u="none" strike="noStrike" cap="none" normalizeH="0" baseline="0" smtClean="0">
                 <a:ln>
                   <a:noFill/>
@@ -4192,7 +4181,7 @@
               </a:rPr>
               <a:t>XML </a:t>
             </a:r>
-            <a:r xmlns:a="http://schemas.openxmlformats.org/drawingml/2006/main">
+            <a:r>
               <a:rPr kumimoji="0" lang="en" altLang="en-US" sz="1800" b="0" i="0" u="none" strike="noStrike" cap="none" normalizeH="0" baseline="0" smtClean="0">
                 <a:ln>
                   <a:noFill/>
@@ -4266,7 +4255,7 @@
           </a:bodyPr>
           <a:lstStyle/>
           <a:p>
-            <a:pPr xmlns:a="http://schemas.openxmlformats.org/drawingml/2006/main">
+            <a:pPr>
               <a:lnSpc>
                 <a:spcPct val="107000"/>
               </a:lnSpc>
@@ -4277,7 +4266,7 @@
                 <a:spcPts val="0"/>
               </a:spcAft>
             </a:pPr>
-            <a:r xmlns:a="http://schemas.openxmlformats.org/drawingml/2006/main">
+            <a:r>
               <a:rPr lang="en" b="1" kern="0" dirty="0" smtClean="0">
                 <a:latin typeface="Segoe UI" panose="020B0502040204020203" pitchFamily="34" charset="0"/>
                 <a:ea typeface="Times New Roman" panose="02020603050405020304" pitchFamily="18" charset="0"/>
@@ -4285,7 +4274,7 @@
               </a:rPr>
               <a:t>Import XML</a:t>
             </a:r>
-            <a:endParaRPr xmlns:a="http://schemas.openxmlformats.org/drawingml/2006/main" lang="en-US" b="1" kern="0" dirty="0">
+            <a:endParaRPr lang="en-US" b="1" kern="0" dirty="0">
               <a:latin typeface="Segoe UI" panose="020B0502040204020203" pitchFamily="34" charset="0"/>
               <a:ea typeface="Times New Roman" panose="02020603050405020304" pitchFamily="18" charset="0"/>
               <a:cs typeface="Times New Roman" panose="02020603050405020304" pitchFamily="18" charset="0"/>
@@ -4314,7 +4303,7 @@
           </a:bodyPr>
           <a:lstStyle/>
           <a:p>
-            <a:pPr xmlns:a="http://schemas.openxmlformats.org/drawingml/2006/main" lvl="0">
+            <a:pPr lvl="0">
               <a:lnSpc>
                 <a:spcPct val="107000"/>
               </a:lnSpc>
@@ -4322,7 +4311,7 @@
                 <a:spcPts val="800"/>
               </a:spcAft>
             </a:pPr>
-            <a:r xmlns:a="http://schemas.openxmlformats.org/drawingml/2006/main">
+            <a:r>
               <a:rPr lang="en" dirty="0" smtClean="0">
                 <a:latin typeface="Calibri" panose="020F0502020204030204" pitchFamily="34" charset="0"/>
                 <a:ea typeface="Calibri" panose="020F0502020204030204" pitchFamily="34" charset="0"/>
@@ -4330,7 +4319,7 @@
               </a:rPr>
               <a:t>The </a:t>
             </a:r>
-            <a:r xmlns:a="http://schemas.openxmlformats.org/drawingml/2006/main">
+            <a:r>
               <a:rPr lang="en" b="1" dirty="0" smtClean="0">
                 <a:latin typeface="Calibri" panose="020F0502020204030204" pitchFamily="34" charset="0"/>
                 <a:ea typeface="Calibri" panose="020F0502020204030204" pitchFamily="34" charset="0"/>
@@ -4338,7 +4327,7 @@
               </a:rPr>
               <a:t>CustomerOrder.xml file </a:t>
             </a:r>
-            <a:r xmlns:a="http://schemas.openxmlformats.org/drawingml/2006/main">
+            <a:r>
               <a:rPr lang="en" dirty="0" smtClean="0">
                 <a:latin typeface="Calibri" panose="020F0502020204030204" pitchFamily="34" charset="0"/>
                 <a:ea typeface="Calibri" panose="020F0502020204030204" pitchFamily="34" charset="0"/>
@@ -4346,7 +4335,7 @@
               </a:rPr>
               <a:t>of</a:t>
             </a:r>
-            <a:r xmlns:a="http://schemas.openxmlformats.org/drawingml/2006/main">
+            <a:r>
               <a:rPr lang="en" b="1" dirty="0" smtClean="0">
                 <a:latin typeface="Calibri" panose="020F0502020204030204" pitchFamily="34" charset="0"/>
                 <a:ea typeface="Calibri" panose="020F0502020204030204" pitchFamily="34" charset="0"/>
@@ -4354,7 +4343,7 @@
               </a:rPr>
               <a:t> </a:t>
             </a:r>
-            <a:r xmlns:a="http://schemas.openxmlformats.org/drawingml/2006/main">
+            <a:r>
               <a:rPr lang="en" b="1" dirty="0" err="1" smtClean="0">
                 <a:latin typeface="Segoe UI" panose="020B0502040204020203" pitchFamily="34" charset="0"/>
                 <a:ea typeface="Calibri" panose="020F0502020204030204" pitchFamily="34" charset="0"/>
@@ -4362,7 +4351,7 @@
               </a:rPr>
               <a:t>XML Sources</a:t>
             </a:r>
-            <a:endParaRPr xmlns:a="http://schemas.openxmlformats.org/drawingml/2006/main" lang="en-US" sz="1400" dirty="0">
+            <a:endParaRPr lang="en-US" sz="1400" dirty="0">
               <a:effectLst/>
               <a:latin typeface="Calibri" panose="020F0502020204030204" pitchFamily="34" charset="0"/>
               <a:ea typeface="Calibri" panose="020F0502020204030204" pitchFamily="34" charset="0"/>
@@ -4463,7 +4452,7 @@
           </a:bodyPr>
           <a:lstStyle/>
           <a:p>
-            <a:pPr xmlns:a="http://schemas.openxmlformats.org/drawingml/2006/main">
+            <a:pPr>
               <a:lnSpc>
                 <a:spcPct val="107000"/>
               </a:lnSpc>
@@ -4474,7 +4463,7 @@
                 <a:spcPts val="0"/>
               </a:spcAft>
             </a:pPr>
-            <a:r xmlns:a="http://schemas.openxmlformats.org/drawingml/2006/main">
+            <a:r>
               <a:rPr lang="en" b="1" kern="0" dirty="0" smtClean="0">
                 <a:latin typeface="Segoe UI" panose="020B0502040204020203" pitchFamily="34" charset="0"/>
                 <a:ea typeface="Times New Roman" panose="02020603050405020304" pitchFamily="18" charset="0"/>
@@ -4482,7 +4471,7 @@
               </a:rPr>
               <a:t>Import XML</a:t>
             </a:r>
-            <a:endParaRPr xmlns:a="http://schemas.openxmlformats.org/drawingml/2006/main" lang="en-US" b="1" kern="0" dirty="0">
+            <a:endParaRPr lang="en-US" b="1" kern="0" dirty="0">
               <a:latin typeface="Segoe UI" panose="020B0502040204020203" pitchFamily="34" charset="0"/>
               <a:ea typeface="Times New Roman" panose="02020603050405020304" pitchFamily="18" charset="0"/>
               <a:cs typeface="Times New Roman" panose="02020603050405020304" pitchFamily="18" charset="0"/>
@@ -4583,7 +4572,7 @@
           </a:bodyPr>
           <a:lstStyle/>
           <a:p>
-            <a:pPr xmlns:a="http://schemas.openxmlformats.org/drawingml/2006/main" marL="0" marR="0" lvl="0" indent="0" algn="l" defTabSz="914400" rtl="0" eaLnBrk="0" fontAlgn="base" latinLnBrk="0" hangingPunct="0">
+            <a:pPr marL="0" marR="0" lvl="0" indent="0" algn="l" defTabSz="914400" rtl="0" eaLnBrk="0" fontAlgn="base" latinLnBrk="0" hangingPunct="0">
               <a:lnSpc>
                 <a:spcPct val="100000"/>
               </a:lnSpc>
@@ -4599,7 +4588,7 @@
               <a:buNone/>
               <a:tabLst/>
             </a:pPr>
-            <a:r xmlns:a="http://schemas.openxmlformats.org/drawingml/2006/main">
+            <a:r>
               <a:rPr kumimoji="0" lang="en" altLang="en-US" sz="1800" b="0" i="0" u="none" strike="noStrike" cap="none" normalizeH="0" baseline="0" dirty="0" smtClean="0">
                 <a:ln>
                   <a:noFill/>
@@ -4612,7 +4601,7 @@
               </a:rPr>
               <a:t>Try selecting </a:t>
             </a:r>
-            <a:r xmlns:a="http://schemas.openxmlformats.org/drawingml/2006/main">
+            <a:r>
               <a:rPr kumimoji="0" lang="en" altLang="en-US" sz="1800" b="1" i="0" u="none" strike="noStrike" cap="none" normalizeH="0" baseline="0" dirty="0" smtClean="0">
                 <a:ln>
                   <a:noFill/>
@@ -4625,7 +4614,7 @@
               </a:rPr>
               <a:t>Customer </a:t>
             </a:r>
-            <a:r xmlns:a="http://schemas.openxmlformats.org/drawingml/2006/main">
+            <a:r>
               <a:rPr kumimoji="0" lang="en" altLang="en-US" sz="1800" b="0" i="0" u="none" strike="noStrike" cap="none" normalizeH="0" baseline="0" dirty="0" smtClean="0">
                 <a:ln>
                   <a:noFill/>
@@ -4638,7 +4627,7 @@
               </a:rPr>
               <a:t>only, then </a:t>
             </a:r>
-            <a:r xmlns:a="http://schemas.openxmlformats.org/drawingml/2006/main">
+            <a:r>
               <a:rPr kumimoji="0" lang="en" altLang="en-US" sz="1800" b="1" i="0" u="none" strike="noStrike" cap="none" normalizeH="0" baseline="0" dirty="0" err="1" smtClean="0">
                 <a:ln>
                   <a:noFill/>
@@ -4651,7 +4640,7 @@
               </a:rPr>
               <a:t>Order </a:t>
             </a:r>
-            <a:r xmlns:a="http://schemas.openxmlformats.org/drawingml/2006/main">
+            <a:r>
               <a:rPr kumimoji="0" lang="en" altLang="en-US" sz="1800" b="0" i="0" u="none" strike="noStrike" cap="none" normalizeH="0" baseline="0" dirty="0" smtClean="0">
                 <a:ln>
                   <a:noFill/>
@@ -4759,8 +4748,8 @@
         </p:nvSpPr>
         <p:spPr>
           <a:xfrm>
-            <a:off x="4402178" y="2685208"/>
-            <a:ext cx="3456395" cy="1569660"/>
+            <a:off x="2748356" y="2594897"/>
+            <a:ext cx="6230360" cy="1569660"/>
           </a:xfrm>
           <a:prstGeom prst="rect">
             <a:avLst/>
@@ -4867,8 +4856,8 @@
             </a:lvl9pPr>
           </a:lstStyle>
           <a:p>
-            <a:r xmlns:a="http://schemas.openxmlformats.org/drawingml/2006/main">
-              <a:rPr lang="en" sz="9600" b="1" dirty="0" smtClean="0">
+            <a:r>
+              <a:rPr lang="en-US" sz="9600" b="1" dirty="0" smtClean="0">
                 <a:solidFill>
                   <a:srgbClr val="7030A0"/>
                 </a:solidFill>
@@ -4876,9 +4865,9 @@
                 <a:ea typeface="Verdana" panose="020B0604030504040204" pitchFamily="34" charset="0"/>
                 <a:cs typeface="Segoe UI" panose="020B0502040204020203" pitchFamily="34" charset="0"/>
               </a:rPr>
-              <a:t>THANKS</a:t>
-            </a:r>
-            <a:endParaRPr xmlns:a="http://schemas.openxmlformats.org/drawingml/2006/main" lang="en-US" sz="9600" b="1" dirty="0">
+              <a:t>Thank you</a:t>
+            </a:r>
+            <a:endParaRPr lang="en-US" sz="9600" b="1" dirty="0">
               <a:solidFill>
                 <a:srgbClr val="7030A0"/>
               </a:solidFill>
@@ -4897,8 +4886,8 @@
         </p:nvSpPr>
         <p:spPr>
           <a:xfrm>
-            <a:off x="4333426" y="2603133"/>
-            <a:ext cx="3456395" cy="1569660"/>
+            <a:off x="2679604" y="2512822"/>
+            <a:ext cx="6230360" cy="1569660"/>
           </a:xfrm>
           <a:prstGeom prst="rect">
             <a:avLst/>
@@ -5005,8 +4994,8 @@
             </a:lvl9pPr>
           </a:lstStyle>
           <a:p>
-            <a:r xmlns:a="http://schemas.openxmlformats.org/drawingml/2006/main">
-              <a:rPr lang="en" sz="9600" b="1" dirty="0" smtClean="0">
+            <a:r>
+              <a:rPr lang="en-US" sz="9600" b="1" dirty="0" smtClean="0">
                 <a:solidFill>
                   <a:schemeClr val="bg1"/>
                 </a:solidFill>
@@ -5014,9 +5003,9 @@
                 <a:ea typeface="Verdana" panose="020B0604030504040204" pitchFamily="34" charset="0"/>
                 <a:cs typeface="Segoe UI" panose="020B0502040204020203" pitchFamily="34" charset="0"/>
               </a:rPr>
-              <a:t>THANKS</a:t>
-            </a:r>
-            <a:endParaRPr xmlns:a="http://schemas.openxmlformats.org/drawingml/2006/main" lang="en-US" sz="9600" b="1" dirty="0">
+              <a:t>Thank you</a:t>
+            </a:r>
+            <a:endParaRPr lang="en-US" sz="9600" b="1" dirty="0">
               <a:solidFill>
                 <a:schemeClr val="bg1"/>
               </a:solidFill>
